--- a/course_material/slides/018_cards_2.pptx
+++ b/course_material/slides/018_cards_2.pptx
@@ -7,23 +7,24 @@
   <p:sldIdLst>
     <p:sldId id="271" r:id="rId2"/>
     <p:sldId id="256" r:id="rId3"/>
-    <p:sldId id="257" r:id="rId4"/>
-    <p:sldId id="258" r:id="rId5"/>
-    <p:sldId id="259" r:id="rId6"/>
-    <p:sldId id="260" r:id="rId7"/>
-    <p:sldId id="261" r:id="rId8"/>
-    <p:sldId id="262" r:id="rId9"/>
-    <p:sldId id="263" r:id="rId10"/>
-    <p:sldId id="265" r:id="rId11"/>
-    <p:sldId id="266" r:id="rId12"/>
-    <p:sldId id="264" r:id="rId13"/>
-    <p:sldId id="267" r:id="rId14"/>
-    <p:sldId id="268" r:id="rId15"/>
-    <p:sldId id="269" r:id="rId16"/>
-    <p:sldId id="274" r:id="rId17"/>
-    <p:sldId id="270" r:id="rId18"/>
-    <p:sldId id="272" r:id="rId19"/>
-    <p:sldId id="273" r:id="rId20"/>
+    <p:sldId id="275" r:id="rId4"/>
+    <p:sldId id="257" r:id="rId5"/>
+    <p:sldId id="258" r:id="rId6"/>
+    <p:sldId id="259" r:id="rId7"/>
+    <p:sldId id="260" r:id="rId8"/>
+    <p:sldId id="261" r:id="rId9"/>
+    <p:sldId id="262" r:id="rId10"/>
+    <p:sldId id="263" r:id="rId11"/>
+    <p:sldId id="265" r:id="rId12"/>
+    <p:sldId id="266" r:id="rId13"/>
+    <p:sldId id="264" r:id="rId14"/>
+    <p:sldId id="267" r:id="rId15"/>
+    <p:sldId id="268" r:id="rId16"/>
+    <p:sldId id="269" r:id="rId17"/>
+    <p:sldId id="274" r:id="rId18"/>
+    <p:sldId id="270" r:id="rId19"/>
+    <p:sldId id="272" r:id="rId20"/>
+    <p:sldId id="273" r:id="rId21"/>
   </p:sldIdLst>
   <p:sldSz cx="12192000" cy="6858000"/>
   <p:notesSz cx="6858000" cy="9144000"/>
@@ -3682,12 +3683,78 @@
             <p:ph idx="1"/>
           </p:nvPr>
         </p:nvSpPr>
-        <p:spPr/>
-        <p:txBody>
-          <a:bodyPr/>
-          <a:lstStyle/>
-          <a:p>
-            <a:endParaRPr lang="en-US"/>
+        <p:spPr>
+          <a:xfrm>
+            <a:off x="1451579" y="1853754"/>
+            <a:ext cx="9603275" cy="4199727"/>
+          </a:xfrm>
+        </p:spPr>
+        <p:txBody>
+          <a:bodyPr/>
+          <a:lstStyle/>
+          <a:p>
+            <a:r>
+              <a:rPr lang="en-US" dirty="0"/>
+              <a:t>Reminder:</a:t>
+            </a:r>
+          </a:p>
+          <a:p>
+            <a:pPr lvl="1"/>
+            <a:r>
+              <a:rPr lang="en-US" dirty="0"/>
+              <a:t>No class Thursday, go to the conference if you’re interested. </a:t>
+            </a:r>
+          </a:p>
+          <a:p>
+            <a:pPr lvl="1"/>
+            <a:r>
+              <a:rPr lang="en-US" dirty="0"/>
+              <a:t>Test pushed to next Tuesday. Main topics on Moodle. Mostly similar to the last one. </a:t>
+            </a:r>
+          </a:p>
+          <a:p>
+            <a:r>
+              <a:rPr lang="en-US" dirty="0"/>
+              <a:t>Today:</a:t>
+            </a:r>
+          </a:p>
+          <a:p>
+            <a:pPr lvl="1"/>
+            <a:r>
+              <a:rPr lang="en-US" dirty="0"/>
+              <a:t>More poker and cards. </a:t>
+            </a:r>
+          </a:p>
+          <a:p>
+            <a:pPr lvl="1"/>
+            <a:r>
+              <a:rPr lang="en-US" dirty="0"/>
+              <a:t>Some basic software engineering and applied agile concepts. </a:t>
+            </a:r>
+          </a:p>
+          <a:p>
+            <a:pPr lvl="1"/>
+            <a:r>
+              <a:rPr lang="en-US" dirty="0"/>
+              <a:t>We’ll tackle some other parts a chunk at a time:</a:t>
+            </a:r>
+          </a:p>
+          <a:p>
+            <a:pPr lvl="2"/>
+            <a:r>
+              <a:rPr lang="en-US" dirty="0"/>
+              <a:t>It is valuable to grind through things, even if frustrating…</a:t>
+            </a:r>
+          </a:p>
+          <a:p>
+            <a:pPr lvl="2"/>
+            <a:r>
+              <a:rPr lang="en-US" dirty="0"/>
+              <a:t>Please ask if something doesn’t make sense, it is a real thing we’re recreating, and my description is incomplete (we’re building incrementally). Reasonable assumptions are good, they may change. </a:t>
+            </a:r>
+          </a:p>
+          <a:p>
+            <a:endParaRPr lang="en-US" dirty="0"/>
           </a:p>
         </p:txBody>
       </p:sp>
@@ -3726,7 +3793,7 @@
           <p:cNvPr id="2" name="Title 1">
             <a:extLst>
               <a:ext uri="{FF2B5EF4-FFF2-40B4-BE49-F238E27FC236}">
-                <a16:creationId xmlns:a16="http://schemas.microsoft.com/office/drawing/2014/main" id="{7F62AD1C-D6E5-5E0E-7157-E4698D82A5AF}"/>
+                <a16:creationId xmlns:a16="http://schemas.microsoft.com/office/drawing/2014/main" id="{7F53AC10-5D87-A577-6687-5CA0D78CF88A}"/>
               </a:ext>
             </a:extLst>
           </p:cNvPr>
@@ -3744,7 +3811,7 @@
           <a:p>
             <a:r>
               <a:rPr lang="en-US" dirty="0"/>
-              <a:t>Last Challenge – The (Art of the) Deal</a:t>
+              <a:t>The Black Box of Software</a:t>
             </a:r>
           </a:p>
         </p:txBody>
@@ -3754,7 +3821,7 @@
           <p:cNvPr id="3" name="Content Placeholder 2">
             <a:extLst>
               <a:ext uri="{FF2B5EF4-FFF2-40B4-BE49-F238E27FC236}">
-                <a16:creationId xmlns:a16="http://schemas.microsoft.com/office/drawing/2014/main" id="{31DC62D9-C326-E6DF-55F4-0D15A002BD74}"/>
+                <a16:creationId xmlns:a16="http://schemas.microsoft.com/office/drawing/2014/main" id="{4AAB075A-5815-FBF6-B3D4-45392B5A7969}"/>
               </a:ext>
             </a:extLst>
           </p:cNvPr>
@@ -3777,68 +3844,53 @@
           <a:p>
             <a:r>
               <a:rPr lang="en-US" dirty="0"/>
-              <a:t>Our deck should deal out cards when we ask for them by the deal() function. </a:t>
-            </a:r>
-          </a:p>
-          <a:p>
-            <a:pPr lvl="1"/>
-            <a:r>
-              <a:rPr lang="en-US" dirty="0"/>
-              <a:t>Inputs – the number of hands and cards per hand. </a:t>
-            </a:r>
-          </a:p>
-          <a:p>
-            <a:pPr lvl="1"/>
-            <a:r>
-              <a:rPr lang="en-US" dirty="0"/>
-              <a:t>Output – a list of Hands of cards that were removed from the deck. </a:t>
-            </a:r>
-          </a:p>
-          <a:p>
-            <a:r>
-              <a:rPr lang="en-US" dirty="0"/>
-              <a:t>Step one – can I pull some Cards from the deck?</a:t>
-            </a:r>
-          </a:p>
-          <a:p>
-            <a:pPr lvl="1"/>
-            <a:r>
-              <a:rPr lang="en-US" dirty="0"/>
-              <a:t>Use only the number of cards, and only worry about one hand. </a:t>
-            </a:r>
-          </a:p>
-          <a:p>
-            <a:pPr lvl="1"/>
-            <a:r>
-              <a:rPr lang="en-US" dirty="0"/>
-              <a:t>Attempt to pull that number of cards, and print them and/or return them as a list. </a:t>
-            </a:r>
-          </a:p>
-          <a:p>
-            <a:pPr lvl="1"/>
-            <a:r>
-              <a:rPr lang="en-US" dirty="0"/>
-              <a:t>Check and see that they are actually removed from the deck. </a:t>
-            </a:r>
-          </a:p>
-          <a:p>
-            <a:r>
-              <a:rPr lang="en-US" dirty="0"/>
-              <a:t>Step two – can I pull several sets of cards from the deck. </a:t>
-            </a:r>
-          </a:p>
-          <a:p>
-            <a:pPr lvl="1"/>
-            <a:r>
-              <a:rPr lang="en-US" dirty="0"/>
-              <a:t>Use the number of cards and number of hands to pull the total number of cards. (2 loops?)</a:t>
-            </a:r>
-          </a:p>
-          <a:p>
-            <a:pPr lvl="1"/>
-            <a:r>
-              <a:rPr lang="en-US" dirty="0"/>
-              <a:t>Construct them into a list of lists for printing/returning. </a:t>
+              <a:t>A common term you see in software is a Black Box. </a:t>
+            </a:r>
+          </a:p>
+          <a:p>
+            <a:pPr lvl="1"/>
+            <a:r>
+              <a:rPr lang="en-US" dirty="0"/>
+              <a:t>We know what goes in and what comes out, but have no idea what happens inside. </a:t>
+            </a:r>
+          </a:p>
+          <a:p>
+            <a:r>
+              <a:rPr lang="en-US" dirty="0"/>
+              <a:t>With well defined functions (and many ML models), this is also true. </a:t>
+            </a:r>
+          </a:p>
+          <a:p>
+            <a:pPr lvl="1"/>
+            <a:r>
+              <a:rPr lang="en-US" dirty="0"/>
+              <a:t>The arguments are what we get as an input. </a:t>
+            </a:r>
+          </a:p>
+          <a:p>
+            <a:pPr lvl="1"/>
+            <a:r>
+              <a:rPr lang="en-US" dirty="0"/>
+              <a:t>The return value is what we produce as an output. </a:t>
+            </a:r>
+          </a:p>
+          <a:p>
+            <a:pPr lvl="1"/>
+            <a:r>
+              <a:rPr lang="en-US" dirty="0"/>
+              <a:t>As long as we connect A to B, who cares how? </a:t>
+            </a:r>
+          </a:p>
+          <a:p>
+            <a:r>
+              <a:rPr lang="en-US" dirty="0"/>
+              <a:t>In our own code, if we can isolate anything into its own function, this idea can help. </a:t>
+            </a:r>
+          </a:p>
+          <a:p>
+            <a:r>
+              <a:rPr lang="en-US" dirty="0"/>
+              <a:t>Also a common way to assign work to others, it is clear what has to be done. </a:t>
             </a:r>
           </a:p>
         </p:txBody>
@@ -3846,7 +3898,7 @@
     </p:spTree>
     <p:extLst>
       <p:ext uri="{BB962C8B-B14F-4D97-AF65-F5344CB8AC3E}">
-        <p14:creationId xmlns:p14="http://schemas.microsoft.com/office/powerpoint/2010/main" val="170558196"/>
+        <p14:creationId xmlns:p14="http://schemas.microsoft.com/office/powerpoint/2010/main" val="1387795229"/>
       </p:ext>
     </p:extLst>
   </p:cSld>
@@ -3878,7 +3930,7 @@
           <p:cNvPr id="2" name="Title 1">
             <a:extLst>
               <a:ext uri="{FF2B5EF4-FFF2-40B4-BE49-F238E27FC236}">
-                <a16:creationId xmlns:a16="http://schemas.microsoft.com/office/drawing/2014/main" id="{F4A1819E-FC22-5BB8-D43D-54EE2E1CF6A4}"/>
+                <a16:creationId xmlns:a16="http://schemas.microsoft.com/office/drawing/2014/main" id="{7F62AD1C-D6E5-5E0E-7157-E4698D82A5AF}"/>
               </a:ext>
             </a:extLst>
           </p:cNvPr>
@@ -3896,7 +3948,7 @@
           <a:p>
             <a:r>
               <a:rPr lang="en-US" dirty="0"/>
-              <a:t>Cont.</a:t>
+              <a:t>Last Challenge – The (Art of the) Deal</a:t>
             </a:r>
           </a:p>
         </p:txBody>
@@ -3906,7 +3958,7 @@
           <p:cNvPr id="3" name="Content Placeholder 2">
             <a:extLst>
               <a:ext uri="{FF2B5EF4-FFF2-40B4-BE49-F238E27FC236}">
-                <a16:creationId xmlns:a16="http://schemas.microsoft.com/office/drawing/2014/main" id="{2B05AFE1-F525-D846-3909-EC7791834A3E}"/>
+                <a16:creationId xmlns:a16="http://schemas.microsoft.com/office/drawing/2014/main" id="{31DC62D9-C326-E6DF-55F4-0D15A002BD74}"/>
               </a:ext>
             </a:extLst>
           </p:cNvPr>
@@ -3919,8 +3971,8 @@
         </p:nvSpPr>
         <p:spPr>
           <a:xfrm>
-            <a:off x="785191" y="1853754"/>
-            <a:ext cx="10475844" cy="4199727"/>
+            <a:off x="1451579" y="1853754"/>
+            <a:ext cx="9603275" cy="4199727"/>
           </a:xfrm>
         </p:spPr>
         <p:txBody>
@@ -3929,61 +3981,68 @@
           <a:p>
             <a:r>
               <a:rPr lang="en-US" dirty="0"/>
-              <a:t>Step 3 – Can I construct Decks instead of lists to return. </a:t>
-            </a:r>
-          </a:p>
-          <a:p>
-            <a:pPr lvl="1"/>
-            <a:r>
-              <a:rPr lang="en-US" dirty="0"/>
-              <a:t>Change the step where each “hand” is assembled into it’s (inner) list into the construction of a new deck with those same cards. </a:t>
-            </a:r>
-          </a:p>
-          <a:p>
-            <a:pPr lvl="1"/>
-            <a:r>
-              <a:rPr lang="en-US" dirty="0"/>
-              <a:t>Print the Decks (we did the str) to make sure that we have the correct things. </a:t>
-            </a:r>
-          </a:p>
-          <a:p>
-            <a:r>
-              <a:rPr lang="en-US" dirty="0"/>
-              <a:t>Step 4 – Construct the final return value, and test different scenarios. </a:t>
-            </a:r>
-          </a:p>
-          <a:p>
-            <a:pPr lvl="1"/>
-            <a:r>
-              <a:rPr lang="en-US" dirty="0"/>
-              <a:t>Make the final return value into the desired format, test different numbers. </a:t>
-            </a:r>
-          </a:p>
-          <a:p>
-            <a:pPr lvl="1"/>
-            <a:r>
-              <a:rPr lang="en-US" dirty="0"/>
-              <a:t>I printed the deck before, hands, and the deck after, and checked for # of items and a few specifics. </a:t>
-            </a:r>
-          </a:p>
-          <a:p>
-            <a:r>
-              <a:rPr lang="en-US" dirty="0"/>
-              <a:t>Each step here is really only pushing us a little closer to the goal. </a:t>
-            </a:r>
-          </a:p>
-          <a:p>
-            <a:pPr lvl="1"/>
-            <a:r>
-              <a:rPr lang="en-US" dirty="0"/>
-              <a:t>We have a constantly evolving “outcome” that we can verify at each step. </a:t>
-            </a:r>
-          </a:p>
-          <a:p>
-            <a:pPr lvl="1"/>
-            <a:r>
-              <a:rPr lang="en-US" dirty="0"/>
-              <a:t>When something fails, it is easy to pinpoint where that failure is. </a:t>
+              <a:t>Our deck should deal out cards when we ask for them by the deal() function. </a:t>
+            </a:r>
+          </a:p>
+          <a:p>
+            <a:pPr lvl="1"/>
+            <a:r>
+              <a:rPr lang="en-US" dirty="0"/>
+              <a:t>Inputs – the number of hands and cards per hand. </a:t>
+            </a:r>
+          </a:p>
+          <a:p>
+            <a:pPr lvl="1"/>
+            <a:r>
+              <a:rPr lang="en-US" dirty="0"/>
+              <a:t>Output – a list of Hands of cards that were removed from the deck. </a:t>
+            </a:r>
+          </a:p>
+          <a:p>
+            <a:r>
+              <a:rPr lang="en-US" dirty="0"/>
+              <a:t>Step one – can I pull some Cards from the deck?</a:t>
+            </a:r>
+          </a:p>
+          <a:p>
+            <a:pPr lvl="1"/>
+            <a:r>
+              <a:rPr lang="en-US" dirty="0"/>
+              <a:t>Use only the number of cards, and only worry about one hand. </a:t>
+            </a:r>
+          </a:p>
+          <a:p>
+            <a:pPr lvl="1"/>
+            <a:r>
+              <a:rPr lang="en-US" dirty="0"/>
+              <a:t>Attempt to pull that number of cards, and print them and/or return them as a list. </a:t>
+            </a:r>
+          </a:p>
+          <a:p>
+            <a:pPr lvl="1"/>
+            <a:r>
+              <a:rPr lang="en-US" dirty="0"/>
+              <a:t>Check and see that they are actually removed from the deck. </a:t>
+            </a:r>
+          </a:p>
+          <a:p>
+            <a:r>
+              <a:rPr lang="en-US" dirty="0"/>
+              <a:t>Step two – can I pull several sets of cards from the deck. </a:t>
+            </a:r>
+          </a:p>
+          <a:p>
+            <a:pPr lvl="1"/>
+            <a:r>
+              <a:rPr lang="en-US" dirty="0"/>
+              <a:t>Use the number of cards and number of hands to pull the total number of cards. (2 loops?)</a:t>
+            </a:r>
+          </a:p>
+          <a:p>
+            <a:pPr lvl="1"/>
+            <a:r>
+              <a:rPr lang="en-US" dirty="0"/>
+              <a:t>Construct them into a list of lists for printing/returning. </a:t>
             </a:r>
           </a:p>
         </p:txBody>
@@ -3991,7 +4050,7 @@
     </p:spTree>
     <p:extLst>
       <p:ext uri="{BB962C8B-B14F-4D97-AF65-F5344CB8AC3E}">
-        <p14:creationId xmlns:p14="http://schemas.microsoft.com/office/powerpoint/2010/main" val="452433239"/>
+        <p14:creationId xmlns:p14="http://schemas.microsoft.com/office/powerpoint/2010/main" val="170558196"/>
       </p:ext>
     </p:extLst>
   </p:cSld>
@@ -4023,7 +4082,7 @@
           <p:cNvPr id="2" name="Title 1">
             <a:extLst>
               <a:ext uri="{FF2B5EF4-FFF2-40B4-BE49-F238E27FC236}">
-                <a16:creationId xmlns:a16="http://schemas.microsoft.com/office/drawing/2014/main" id="{D9FA2F5C-2A66-F8F8-9F76-2C8675D18116}"/>
+                <a16:creationId xmlns:a16="http://schemas.microsoft.com/office/drawing/2014/main" id="{F4A1819E-FC22-5BB8-D43D-54EE2E1CF6A4}"/>
               </a:ext>
             </a:extLst>
           </p:cNvPr>
@@ -4041,7 +4100,7 @@
           <a:p>
             <a:r>
               <a:rPr lang="en-US" dirty="0"/>
-              <a:t>Inherit from the Deck</a:t>
+              <a:t>Cont.</a:t>
             </a:r>
           </a:p>
         </p:txBody>
@@ -4051,7 +4110,7 @@
           <p:cNvPr id="3" name="Content Placeholder 2">
             <a:extLst>
               <a:ext uri="{FF2B5EF4-FFF2-40B4-BE49-F238E27FC236}">
-                <a16:creationId xmlns:a16="http://schemas.microsoft.com/office/drawing/2014/main" id="{8CE84111-3C30-8DD9-90D2-E9F6DB0294D9}"/>
+                <a16:creationId xmlns:a16="http://schemas.microsoft.com/office/drawing/2014/main" id="{2B05AFE1-F525-D846-3909-EC7791834A3E}"/>
               </a:ext>
             </a:extLst>
           </p:cNvPr>
@@ -4064,8 +4123,8 @@
         </p:nvSpPr>
         <p:spPr>
           <a:xfrm>
-            <a:off x="1103243" y="1948070"/>
-            <a:ext cx="10177670" cy="4105411"/>
+            <a:off x="785191" y="1853754"/>
+            <a:ext cx="10475844" cy="4199727"/>
           </a:xfrm>
         </p:spPr>
         <p:txBody>
@@ -4074,80 +4133,61 @@
           <a:p>
             <a:r>
               <a:rPr lang="en-US" dirty="0"/>
-              <a:t>We also want to make a subclass of the deck, a (poker*) Hand. </a:t>
-            </a:r>
-          </a:p>
-          <a:p>
-            <a:pPr lvl="1"/>
-            <a:r>
-              <a:rPr lang="en-US" dirty="0"/>
-              <a:t>It is mostly like a deck, it is a set of cards. </a:t>
-            </a:r>
-          </a:p>
-          <a:p>
-            <a:pPr lvl="1"/>
-            <a:r>
-              <a:rPr lang="en-US" dirty="0"/>
-              <a:t>A hand is different primarily because we want to add value of that hand, for poker. </a:t>
-            </a:r>
-          </a:p>
-          <a:p>
-            <a:pPr lvl="1"/>
-            <a:r>
-              <a:rPr lang="en-US" dirty="0"/>
-              <a:t>So we are making something that has Deck parts to hold cards, and Hand parts to have meaning. </a:t>
-            </a:r>
-          </a:p>
-          <a:p>
-            <a:pPr lvl="1"/>
-            <a:r>
-              <a:rPr lang="en-US" dirty="0"/>
-              <a:t>The Hand class needs to add value calculations and comparisons. </a:t>
-            </a:r>
-          </a:p>
-          <a:p>
-            <a:r>
-              <a:rPr lang="en-US" dirty="0"/>
-              <a:t>* I really should have named this class </a:t>
-            </a:r>
-            <a:r>
-              <a:rPr lang="en-US" dirty="0" err="1"/>
-              <a:t>PokerHand</a:t>
-            </a:r>
-            <a:r>
-              <a:rPr lang="en-US" dirty="0"/>
-              <a:t> not just Hand. We can have a </a:t>
-            </a:r>
-            <a:r>
-              <a:rPr lang="en-US" dirty="0" err="1"/>
-              <a:t>BridgeHand</a:t>
-            </a:r>
-            <a:r>
-              <a:rPr lang="en-US" dirty="0"/>
-              <a:t>, a </a:t>
-            </a:r>
-            <a:r>
-              <a:rPr lang="en-US" dirty="0" err="1"/>
-              <a:t>BlackjackHand</a:t>
-            </a:r>
-            <a:r>
-              <a:rPr lang="en-US" dirty="0"/>
-              <a:t>, </a:t>
-            </a:r>
-            <a:r>
-              <a:rPr lang="en-US" dirty="0" err="1"/>
-              <a:t>etc</a:t>
-            </a:r>
-            <a:r>
-              <a:rPr lang="en-US" dirty="0"/>
-              <a:t>… with the same logic. </a:t>
-            </a:r>
-          </a:p>
-          <a:p>
-            <a:pPr lvl="1"/>
-            <a:r>
-              <a:rPr lang="en-US" dirty="0"/>
-              <a:t>Maybe if there are different games, we can look back at the deck class later for some modifications…</a:t>
+              <a:t>Step 3 – Can I construct Decks instead of lists to return. </a:t>
+            </a:r>
+          </a:p>
+          <a:p>
+            <a:pPr lvl="1"/>
+            <a:r>
+              <a:rPr lang="en-US" dirty="0"/>
+              <a:t>Change the step where each “hand” is assembled into it’s (inner) list into the construction of a new deck with those same cards. </a:t>
+            </a:r>
+          </a:p>
+          <a:p>
+            <a:pPr lvl="1"/>
+            <a:r>
+              <a:rPr lang="en-US" dirty="0"/>
+              <a:t>Print the Decks (we did the str) to make sure that we have the correct things. </a:t>
+            </a:r>
+          </a:p>
+          <a:p>
+            <a:r>
+              <a:rPr lang="en-US" dirty="0"/>
+              <a:t>Step 4 – Construct the final return value, and test different scenarios. </a:t>
+            </a:r>
+          </a:p>
+          <a:p>
+            <a:pPr lvl="1"/>
+            <a:r>
+              <a:rPr lang="en-US" dirty="0"/>
+              <a:t>Make the final return value into the desired format, test different numbers. </a:t>
+            </a:r>
+          </a:p>
+          <a:p>
+            <a:pPr lvl="1"/>
+            <a:r>
+              <a:rPr lang="en-US" dirty="0"/>
+              <a:t>I printed the deck before, hands, and the deck after, and checked for # of items and a few specifics. </a:t>
+            </a:r>
+          </a:p>
+          <a:p>
+            <a:r>
+              <a:rPr lang="en-US" dirty="0"/>
+              <a:t>Each step here is really only pushing us a little closer to the goal. </a:t>
+            </a:r>
+          </a:p>
+          <a:p>
+            <a:pPr lvl="1"/>
+            <a:r>
+              <a:rPr lang="en-US" dirty="0"/>
+              <a:t>We have a constantly evolving “outcome” that we can verify at each step. </a:t>
+            </a:r>
+          </a:p>
+          <a:p>
+            <a:pPr lvl="1"/>
+            <a:r>
+              <a:rPr lang="en-US" dirty="0"/>
+              <a:t>When something fails, it is easy to pinpoint where that failure is. </a:t>
             </a:r>
           </a:p>
         </p:txBody>
@@ -4155,7 +4195,7 @@
     </p:spTree>
     <p:extLst>
       <p:ext uri="{BB962C8B-B14F-4D97-AF65-F5344CB8AC3E}">
-        <p14:creationId xmlns:p14="http://schemas.microsoft.com/office/powerpoint/2010/main" val="3255357034"/>
+        <p14:creationId xmlns:p14="http://schemas.microsoft.com/office/powerpoint/2010/main" val="452433239"/>
       </p:ext>
     </p:extLst>
   </p:cSld>
@@ -4187,7 +4227,7 @@
           <p:cNvPr id="2" name="Title 1">
             <a:extLst>
               <a:ext uri="{FF2B5EF4-FFF2-40B4-BE49-F238E27FC236}">
-                <a16:creationId xmlns:a16="http://schemas.microsoft.com/office/drawing/2014/main" id="{D522BA6D-B2D2-FFA1-17FE-15349CF686F9}"/>
+                <a16:creationId xmlns:a16="http://schemas.microsoft.com/office/drawing/2014/main" id="{D9FA2F5C-2A66-F8F8-9F76-2C8675D18116}"/>
               </a:ext>
             </a:extLst>
           </p:cNvPr>
@@ -4205,7 +4245,7 @@
           <a:p>
             <a:r>
               <a:rPr lang="en-US" dirty="0"/>
-              <a:t>Hand Value and Comparisons</a:t>
+              <a:t>Inherit from the Deck</a:t>
             </a:r>
           </a:p>
         </p:txBody>
@@ -4215,7 +4255,7 @@
           <p:cNvPr id="3" name="Content Placeholder 2">
             <a:extLst>
               <a:ext uri="{FF2B5EF4-FFF2-40B4-BE49-F238E27FC236}">
-                <a16:creationId xmlns:a16="http://schemas.microsoft.com/office/drawing/2014/main" id="{5619CD43-C8B9-5CF4-B277-3AD80301A488}"/>
+                <a16:creationId xmlns:a16="http://schemas.microsoft.com/office/drawing/2014/main" id="{8CE84111-3C30-8DD9-90D2-E9F6DB0294D9}"/>
               </a:ext>
             </a:extLst>
           </p:cNvPr>
@@ -4228,8 +4268,8 @@
         </p:nvSpPr>
         <p:spPr>
           <a:xfrm>
-            <a:off x="1451579" y="2015732"/>
-            <a:ext cx="9603275" cy="4037749"/>
+            <a:off x="1103243" y="1948070"/>
+            <a:ext cx="10177670" cy="4105411"/>
           </a:xfrm>
         </p:spPr>
         <p:txBody>
@@ -4238,14 +4278,65 @@
           <a:p>
             <a:r>
               <a:rPr lang="en-US" dirty="0"/>
-              <a:t>When comparing poker hands, we need to use the poker hand values. </a:t>
-            </a:r>
-          </a:p>
-          <a:p>
-            <a:pPr lvl="1"/>
-            <a:r>
-              <a:rPr lang="en-US" dirty="0"/>
-              <a:t>E.g. full house, flush, straight, </a:t>
+              <a:t>We also want to make a subclass of the deck, a (poker*) Hand. </a:t>
+            </a:r>
+          </a:p>
+          <a:p>
+            <a:pPr lvl="1"/>
+            <a:r>
+              <a:rPr lang="en-US" dirty="0"/>
+              <a:t>It is mostly like a deck, it is a set of cards. </a:t>
+            </a:r>
+          </a:p>
+          <a:p>
+            <a:pPr lvl="1"/>
+            <a:r>
+              <a:rPr lang="en-US" dirty="0"/>
+              <a:t>A hand is different primarily because we want to add value of that hand, for poker. </a:t>
+            </a:r>
+          </a:p>
+          <a:p>
+            <a:pPr lvl="1"/>
+            <a:r>
+              <a:rPr lang="en-US" dirty="0"/>
+              <a:t>So we are making something that has Deck parts to hold cards, and Hand parts to have meaning. </a:t>
+            </a:r>
+          </a:p>
+          <a:p>
+            <a:pPr lvl="1"/>
+            <a:r>
+              <a:rPr lang="en-US" dirty="0"/>
+              <a:t>The Hand class needs to add value calculations and comparisons. </a:t>
+            </a:r>
+          </a:p>
+          <a:p>
+            <a:r>
+              <a:rPr lang="en-US" dirty="0"/>
+              <a:t>* I really should have named this class </a:t>
+            </a:r>
+            <a:r>
+              <a:rPr lang="en-US" dirty="0" err="1"/>
+              <a:t>PokerHand</a:t>
+            </a:r>
+            <a:r>
+              <a:rPr lang="en-US" dirty="0"/>
+              <a:t> not just Hand. We can have a </a:t>
+            </a:r>
+            <a:r>
+              <a:rPr lang="en-US" dirty="0" err="1"/>
+              <a:t>BridgeHand</a:t>
+            </a:r>
+            <a:r>
+              <a:rPr lang="en-US" dirty="0"/>
+              <a:t>, a </a:t>
+            </a:r>
+            <a:r>
+              <a:rPr lang="en-US" dirty="0" err="1"/>
+              <a:t>BlackjackHand</a:t>
+            </a:r>
+            <a:r>
+              <a:rPr lang="en-US" dirty="0"/>
+              <a:t>, </a:t>
             </a:r>
             <a:r>
               <a:rPr lang="en-US" dirty="0" err="1"/>
@@ -4253,54 +4344,14 @@
             </a:r>
             <a:r>
               <a:rPr lang="en-US" dirty="0"/>
-              <a:t>…</a:t>
-            </a:r>
-          </a:p>
-          <a:p>
-            <a:r>
-              <a:rPr lang="en-US" dirty="0"/>
-              <a:t>This is somewhat complex – there’s lots of hands, tie breakers, </a:t>
-            </a:r>
-            <a:r>
-              <a:rPr lang="en-US" dirty="0" err="1"/>
-              <a:t>etc</a:t>
-            </a:r>
-            <a:r>
-              <a:rPr lang="en-US" dirty="0"/>
-              <a:t>…</a:t>
-            </a:r>
-          </a:p>
-          <a:p>
-            <a:r>
-              <a:rPr lang="en-US" dirty="0"/>
-              <a:t>The idea of it is very simple though, one hand is greater than another. </a:t>
-            </a:r>
-          </a:p>
-          <a:p>
-            <a:r>
-              <a:rPr lang="en-US" dirty="0"/>
-              <a:t>Simplification for us:</a:t>
-            </a:r>
-          </a:p>
-          <a:p>
-            <a:pPr lvl="1"/>
-            <a:r>
-              <a:rPr lang="en-US" dirty="0"/>
-              <a:t>Build the framework to compare hands to each other and determine winners. </a:t>
-            </a:r>
-          </a:p>
-          <a:p>
-            <a:pPr lvl="1"/>
-            <a:r>
-              <a:rPr lang="en-US" dirty="0"/>
-              <a:t>The logic for generating those values doesn’t need to be accurate or complete. </a:t>
-            </a:r>
-          </a:p>
-          <a:p>
-            <a:pPr lvl="1"/>
-            <a:r>
-              <a:rPr lang="en-US" dirty="0"/>
-              <a:t>I.e. we can build a simple version of scoring, use it to make the comparison logic, then that scoring logic can be expanded to match the full rules of poker!</a:t>
+              <a:t>… with the same logic. </a:t>
+            </a:r>
+          </a:p>
+          <a:p>
+            <a:pPr lvl="1"/>
+            <a:r>
+              <a:rPr lang="en-US" dirty="0"/>
+              <a:t>Maybe if there are different games, we can look back at the deck class later for some modifications…</a:t>
             </a:r>
           </a:p>
         </p:txBody>
@@ -4308,7 +4359,7 @@
     </p:spTree>
     <p:extLst>
       <p:ext uri="{BB962C8B-B14F-4D97-AF65-F5344CB8AC3E}">
-        <p14:creationId xmlns:p14="http://schemas.microsoft.com/office/powerpoint/2010/main" val="2871315696"/>
+        <p14:creationId xmlns:p14="http://schemas.microsoft.com/office/powerpoint/2010/main" val="3255357034"/>
       </p:ext>
     </p:extLst>
   </p:cSld>
@@ -4340,7 +4391,7 @@
           <p:cNvPr id="2" name="Title 1">
             <a:extLst>
               <a:ext uri="{FF2B5EF4-FFF2-40B4-BE49-F238E27FC236}">
-                <a16:creationId xmlns:a16="http://schemas.microsoft.com/office/drawing/2014/main" id="{059760BF-563A-D3AA-FFA5-A3CED7E4B047}"/>
+                <a16:creationId xmlns:a16="http://schemas.microsoft.com/office/drawing/2014/main" id="{D522BA6D-B2D2-FFA1-17FE-15349CF686F9}"/>
               </a:ext>
             </a:extLst>
           </p:cNvPr>
@@ -4357,12 +4408,8 @@
           <a:lstStyle/>
           <a:p>
             <a:r>
-              <a:rPr lang="en-US" dirty="0" err="1"/>
-              <a:t>Cont</a:t>
-            </a:r>
-            <a:r>
-              <a:rPr lang="en-US" dirty="0"/>
-              <a:t>…</a:t>
+              <a:rPr lang="en-US" dirty="0"/>
+              <a:t>Hand Value and Comparisons</a:t>
             </a:r>
           </a:p>
         </p:txBody>
@@ -4372,7 +4419,7 @@
           <p:cNvPr id="3" name="Content Placeholder 2">
             <a:extLst>
               <a:ext uri="{FF2B5EF4-FFF2-40B4-BE49-F238E27FC236}">
-                <a16:creationId xmlns:a16="http://schemas.microsoft.com/office/drawing/2014/main" id="{6D0F7082-4424-7D2D-29EA-3D5D21AA020F}"/>
+                <a16:creationId xmlns:a16="http://schemas.microsoft.com/office/drawing/2014/main" id="{5619CD43-C8B9-5CF4-B277-3AD80301A488}"/>
               </a:ext>
             </a:extLst>
           </p:cNvPr>
@@ -4385,8 +4432,8 @@
         </p:nvSpPr>
         <p:spPr>
           <a:xfrm>
-            <a:off x="1451579" y="1853754"/>
-            <a:ext cx="9603275" cy="4288629"/>
+            <a:off x="1451579" y="2015732"/>
+            <a:ext cx="9603275" cy="4037749"/>
           </a:xfrm>
         </p:spPr>
         <p:txBody>
@@ -4395,81 +4442,77 @@
           <a:p>
             <a:r>
               <a:rPr lang="en-US" dirty="0"/>
-              <a:t>Initial scoring logic. </a:t>
-            </a:r>
-          </a:p>
-          <a:p>
-            <a:pPr lvl="1"/>
-            <a:r>
-              <a:rPr lang="en-US" dirty="0"/>
-              <a:t>Poker has lots of hands, and many are weird. We can make our initial scoring logic simple. </a:t>
-            </a:r>
-          </a:p>
-          <a:p>
-            <a:pPr lvl="1"/>
-            <a:r>
-              <a:rPr lang="en-US" dirty="0"/>
-              <a:t>Consider pairs, flush (all same suit). </a:t>
-            </a:r>
-          </a:p>
-          <a:p>
-            <a:r>
-              <a:rPr lang="en-US" dirty="0"/>
-              <a:t>This logic will rank these subset of hands against each other, so that </a:t>
+              <a:t>When comparing poker hands, we need to use the poker hand values. </a:t>
+            </a:r>
+          </a:p>
+          <a:p>
+            <a:pPr lvl="1"/>
+            <a:r>
+              <a:rPr lang="en-US" dirty="0"/>
+              <a:t>E.g. full house, flush, straight, </a:t>
             </a:r>
             <a:r>
               <a:rPr lang="en-US" dirty="0" err="1"/>
-              <a:t>lt</a:t>
-            </a:r>
-            <a:r>
-              <a:rPr lang="en-US" dirty="0"/>
-              <a:t>/</a:t>
+              <a:t>etc</a:t>
+            </a:r>
+            <a:r>
+              <a:rPr lang="en-US" dirty="0"/>
+              <a:t>…</a:t>
+            </a:r>
+          </a:p>
+          <a:p>
+            <a:r>
+              <a:rPr lang="en-US" dirty="0"/>
+              <a:t>This is somewhat complex – there’s lots of hands, tie breakers, </a:t>
             </a:r>
             <a:r>
               <a:rPr lang="en-US" dirty="0" err="1"/>
-              <a:t>gt</a:t>
-            </a:r>
-            <a:r>
-              <a:rPr lang="en-US" dirty="0"/>
-              <a:t>/eq work. </a:t>
-            </a:r>
-          </a:p>
-          <a:p>
-            <a:r>
-              <a:rPr lang="en-US" dirty="0"/>
-              <a:t>When the scoring logic changes, the comparison logic doesn’t need to. </a:t>
-            </a:r>
-          </a:p>
-          <a:p>
-            <a:pPr lvl="1"/>
-            <a:r>
-              <a:rPr lang="en-US" dirty="0"/>
-              <a:t>The comparison just checks which is better, the “better” is provided by the scoring part, and the two can function mostly independently. </a:t>
-            </a:r>
-          </a:p>
-          <a:p>
-            <a:pPr lvl="1"/>
-            <a:r>
-              <a:rPr lang="en-US" dirty="0"/>
-              <a:t>In different games, the comparison logic might be the same there too…</a:t>
-            </a:r>
-          </a:p>
-          <a:p>
-            <a:r>
-              <a:rPr lang="en-US" dirty="0"/>
-              <a:t>We can avoid getting bogged down in the complex details of every poker hand. </a:t>
-            </a:r>
-          </a:p>
-          <a:p>
-            <a:pPr lvl="1"/>
-            <a:endParaRPr lang="en-US" dirty="0"/>
+              <a:t>etc</a:t>
+            </a:r>
+            <a:r>
+              <a:rPr lang="en-US" dirty="0"/>
+              <a:t>…</a:t>
+            </a:r>
+          </a:p>
+          <a:p>
+            <a:r>
+              <a:rPr lang="en-US" dirty="0"/>
+              <a:t>The idea of it is very simple though, one hand is greater than another. </a:t>
+            </a:r>
+          </a:p>
+          <a:p>
+            <a:r>
+              <a:rPr lang="en-US" dirty="0"/>
+              <a:t>Simplification for us:</a:t>
+            </a:r>
+          </a:p>
+          <a:p>
+            <a:pPr lvl="1"/>
+            <a:r>
+              <a:rPr lang="en-US" dirty="0"/>
+              <a:t>Build the framework to compare hands to each other and determine winners. </a:t>
+            </a:r>
+          </a:p>
+          <a:p>
+            <a:pPr lvl="1"/>
+            <a:r>
+              <a:rPr lang="en-US" dirty="0"/>
+              <a:t>The logic for generating those values doesn’t need to be accurate or complete. </a:t>
+            </a:r>
+          </a:p>
+          <a:p>
+            <a:pPr lvl="1"/>
+            <a:r>
+              <a:rPr lang="en-US" dirty="0"/>
+              <a:t>I.e. we can build a simple version of scoring, use it to make the comparison logic, then that scoring logic can be expanded to match the full rules of poker!</a:t>
+            </a:r>
           </a:p>
         </p:txBody>
       </p:sp>
     </p:spTree>
     <p:extLst>
       <p:ext uri="{BB962C8B-B14F-4D97-AF65-F5344CB8AC3E}">
-        <p14:creationId xmlns:p14="http://schemas.microsoft.com/office/powerpoint/2010/main" val="291891556"/>
+        <p14:creationId xmlns:p14="http://schemas.microsoft.com/office/powerpoint/2010/main" val="2871315696"/>
       </p:ext>
     </p:extLst>
   </p:cSld>
@@ -4501,7 +4544,7 @@
           <p:cNvPr id="2" name="Title 1">
             <a:extLst>
               <a:ext uri="{FF2B5EF4-FFF2-40B4-BE49-F238E27FC236}">
-                <a16:creationId xmlns:a16="http://schemas.microsoft.com/office/drawing/2014/main" id="{1236CF7F-F954-FBB5-BA4A-33351D726453}"/>
+                <a16:creationId xmlns:a16="http://schemas.microsoft.com/office/drawing/2014/main" id="{059760BF-563A-D3AA-FFA5-A3CED7E4B047}"/>
               </a:ext>
             </a:extLst>
           </p:cNvPr>
@@ -4518,8 +4561,12 @@
           <a:lstStyle/>
           <a:p>
             <a:r>
-              <a:rPr lang="en-US" dirty="0"/>
-              <a:t>Hands</a:t>
+              <a:rPr lang="en-US" dirty="0" err="1"/>
+              <a:t>Cont</a:t>
+            </a:r>
+            <a:r>
+              <a:rPr lang="en-US" dirty="0"/>
+              <a:t>…</a:t>
             </a:r>
           </a:p>
         </p:txBody>
@@ -4529,7 +4576,7 @@
           <p:cNvPr id="3" name="Content Placeholder 2">
             <a:extLst>
               <a:ext uri="{FF2B5EF4-FFF2-40B4-BE49-F238E27FC236}">
-                <a16:creationId xmlns:a16="http://schemas.microsoft.com/office/drawing/2014/main" id="{6BCEDCF9-02D2-366B-F279-B8EF6DC8C6EF}"/>
+                <a16:creationId xmlns:a16="http://schemas.microsoft.com/office/drawing/2014/main" id="{6D0F7082-4424-7D2D-29EA-3D5D21AA020F}"/>
               </a:ext>
             </a:extLst>
           </p:cNvPr>
@@ -4542,77 +4589,91 @@
         </p:nvSpPr>
         <p:spPr>
           <a:xfrm>
-            <a:off x="1451579" y="1928192"/>
-            <a:ext cx="9603275" cy="4125290"/>
+            <a:off x="1451579" y="1853754"/>
+            <a:ext cx="9603275" cy="4288629"/>
           </a:xfrm>
         </p:spPr>
         <p:txBody>
-          <a:bodyPr>
-            <a:normAutofit lnSpcReduction="10000"/>
-          </a:bodyPr>
-          <a:lstStyle/>
-          <a:p>
-            <a:r>
-              <a:rPr lang="en-US" dirty="0"/>
-              <a:t>Can we do a comparison, with dummy values? </a:t>
-            </a:r>
-          </a:p>
-          <a:p>
-            <a:r>
-              <a:rPr lang="en-US" dirty="0"/>
-              <a:t>Can we do a comparison, with values coming from some toy function?</a:t>
-            </a:r>
-          </a:p>
-          <a:p>
-            <a:r>
-              <a:rPr lang="en-US" dirty="0"/>
-              <a:t>Can we do a comparison, with values coming from our simple function?</a:t>
-            </a:r>
-          </a:p>
-          <a:p>
-            <a:r>
-              <a:rPr lang="en-US" dirty="0"/>
-              <a:t>…</a:t>
-            </a:r>
-          </a:p>
-          <a:p>
-            <a:r>
-              <a:rPr lang="en-US" dirty="0"/>
-              <a:t>Can we do a comparison, with values coming from a full poker hand value function?</a:t>
-            </a:r>
-          </a:p>
-          <a:p>
-            <a:r>
-              <a:rPr lang="en-US" dirty="0"/>
-              <a:t>Once our comparisons work (not necessarily finished), other stuff will start to. </a:t>
-            </a:r>
-          </a:p>
-          <a:p>
-            <a:pPr lvl="1"/>
-            <a:r>
-              <a:rPr lang="en-US" dirty="0"/>
-              <a:t>We can sort hands to determine their order, such as for the winner of something. </a:t>
-            </a:r>
-          </a:p>
-          <a:p>
-            <a:pPr lvl="1"/>
-            <a:r>
-              <a:rPr lang="en-US" dirty="0"/>
-              <a:t>We don’t need a special “winner*” function, the basic sorting things will do it. </a:t>
-            </a:r>
-          </a:p>
-          <a:p>
-            <a:r>
-              <a:rPr lang="en-US" dirty="0"/>
-              <a:t>*Poker can have split pots in ties, so this is one ignored consideration we’d need in reality. </a:t>
-            </a:r>
+          <a:bodyPr/>
+          <a:lstStyle/>
+          <a:p>
+            <a:r>
+              <a:rPr lang="en-US" dirty="0"/>
+              <a:t>Initial scoring logic. </a:t>
+            </a:r>
+          </a:p>
+          <a:p>
+            <a:pPr lvl="1"/>
+            <a:r>
+              <a:rPr lang="en-US" dirty="0"/>
+              <a:t>Poker has lots of hands, and many are weird. We can make our initial scoring logic simple. </a:t>
+            </a:r>
+          </a:p>
+          <a:p>
+            <a:pPr lvl="1"/>
+            <a:r>
+              <a:rPr lang="en-US" dirty="0"/>
+              <a:t>Consider pairs, flush (all same suit). </a:t>
+            </a:r>
+          </a:p>
+          <a:p>
+            <a:r>
+              <a:rPr lang="en-US" dirty="0"/>
+              <a:t>This logic will rank these subset of hands against each other, so that </a:t>
+            </a:r>
+            <a:r>
+              <a:rPr lang="en-US" dirty="0" err="1"/>
+              <a:t>lt</a:t>
+            </a:r>
+            <a:r>
+              <a:rPr lang="en-US" dirty="0"/>
+              <a:t>/</a:t>
+            </a:r>
+            <a:r>
+              <a:rPr lang="en-US" dirty="0" err="1"/>
+              <a:t>gt</a:t>
+            </a:r>
+            <a:r>
+              <a:rPr lang="en-US" dirty="0"/>
+              <a:t>/eq work. </a:t>
+            </a:r>
+          </a:p>
+          <a:p>
+            <a:r>
+              <a:rPr lang="en-US" dirty="0"/>
+              <a:t>When the scoring logic changes, the comparison logic doesn’t need to. </a:t>
+            </a:r>
+          </a:p>
+          <a:p>
+            <a:pPr lvl="1"/>
+            <a:r>
+              <a:rPr lang="en-US" dirty="0"/>
+              <a:t>The comparison just checks which is better, the “better” is provided by the scoring part, and the two can function mostly independently. </a:t>
+            </a:r>
+          </a:p>
+          <a:p>
+            <a:pPr lvl="1"/>
+            <a:r>
+              <a:rPr lang="en-US" dirty="0"/>
+              <a:t>In different games, the comparison logic might be the same there too…</a:t>
+            </a:r>
+          </a:p>
+          <a:p>
+            <a:r>
+              <a:rPr lang="en-US" dirty="0"/>
+              <a:t>We can avoid getting bogged down in the complex details of every poker hand. </a:t>
+            </a:r>
+          </a:p>
+          <a:p>
+            <a:pPr lvl="1"/>
+            <a:endParaRPr lang="en-US" dirty="0"/>
           </a:p>
         </p:txBody>
       </p:sp>
     </p:spTree>
     <p:extLst>
       <p:ext uri="{BB962C8B-B14F-4D97-AF65-F5344CB8AC3E}">
-        <p14:creationId xmlns:p14="http://schemas.microsoft.com/office/powerpoint/2010/main" val="541140375"/>
+        <p14:creationId xmlns:p14="http://schemas.microsoft.com/office/powerpoint/2010/main" val="291891556"/>
       </p:ext>
     </p:extLst>
   </p:cSld>
@@ -4644,7 +4705,7 @@
           <p:cNvPr id="2" name="Title 1">
             <a:extLst>
               <a:ext uri="{FF2B5EF4-FFF2-40B4-BE49-F238E27FC236}">
-                <a16:creationId xmlns:a16="http://schemas.microsoft.com/office/drawing/2014/main" id="{56A4B07D-79F5-B470-23E7-42E503FF9A02}"/>
+                <a16:creationId xmlns:a16="http://schemas.microsoft.com/office/drawing/2014/main" id="{1236CF7F-F954-FBB5-BA4A-33351D726453}"/>
               </a:ext>
             </a:extLst>
           </p:cNvPr>
@@ -4662,7 +4723,7 @@
           <a:p>
             <a:r>
               <a:rPr lang="en-US" dirty="0"/>
-              <a:t>Now let’s Try:</a:t>
+              <a:t>Hands</a:t>
             </a:r>
           </a:p>
         </p:txBody>
@@ -4672,7 +4733,7 @@
           <p:cNvPr id="3" name="Content Placeholder 2">
             <a:extLst>
               <a:ext uri="{FF2B5EF4-FFF2-40B4-BE49-F238E27FC236}">
-                <a16:creationId xmlns:a16="http://schemas.microsoft.com/office/drawing/2014/main" id="{E2081109-BC74-E389-14DF-799897329E02}"/>
+                <a16:creationId xmlns:a16="http://schemas.microsoft.com/office/drawing/2014/main" id="{6BCEDCF9-02D2-366B-F279-B8EF6DC8C6EF}"/>
               </a:ext>
             </a:extLst>
           </p:cNvPr>
@@ -4685,94 +4746,77 @@
         </p:nvSpPr>
         <p:spPr>
           <a:xfrm>
-            <a:off x="1451579" y="1853754"/>
-            <a:ext cx="9603275" cy="4105344"/>
+            <a:off x="1451579" y="1928192"/>
+            <a:ext cx="9603275" cy="4125290"/>
           </a:xfrm>
         </p:spPr>
         <p:txBody>
-          <a:bodyPr/>
-          <a:lstStyle/>
-          <a:p>
-            <a:r>
-              <a:rPr lang="en-US" dirty="0"/>
-              <a:t>Finalizing the deck (for now) with the constructor and dealing. </a:t>
-            </a:r>
-          </a:p>
-          <a:p>
-            <a:r>
-              <a:rPr lang="en-US" dirty="0"/>
-              <a:t>Create the Hand class. </a:t>
-            </a:r>
-          </a:p>
-          <a:p>
-            <a:pPr lvl="1"/>
-            <a:r>
-              <a:rPr lang="en-US" dirty="0"/>
-              <a:t>Extend the deck to suit the Hand purposes. </a:t>
-            </a:r>
-          </a:p>
-          <a:p>
-            <a:pPr lvl="1"/>
-            <a:r>
-              <a:rPr lang="en-US" dirty="0"/>
-              <a:t>Add scoring so we can determine winner between two hands. </a:t>
-            </a:r>
-          </a:p>
-          <a:p>
-            <a:r>
-              <a:rPr lang="en-US" dirty="0"/>
-              <a:t>Create a Game class.</a:t>
-            </a:r>
-          </a:p>
-          <a:p>
-            <a:pPr lvl="1"/>
-            <a:r>
-              <a:rPr lang="en-US" dirty="0"/>
-              <a:t>The Game class holds the body of the game – make players, deal cards, other stuff like bets…</a:t>
-            </a:r>
-          </a:p>
-          <a:p>
-            <a:pPr lvl="1"/>
-            <a:r>
-              <a:rPr lang="en-US" dirty="0"/>
-              <a:t>Build a simple, one-step, game. We want to deal cards and find a winner. </a:t>
-            </a:r>
-          </a:p>
-          <a:p>
-            <a:pPr lvl="1"/>
-            <a:r>
-              <a:rPr lang="en-US" dirty="0"/>
-              <a:t>This will give us a working, but pretty bad</a:t>
-            </a:r>
-            <a:r>
-              <a:rPr lang="en-US"/>
-              <a:t>, game. </a:t>
-            </a:r>
-            <a:endParaRPr lang="en-US" dirty="0"/>
-          </a:p>
-          <a:p>
-            <a:r>
-              <a:rPr lang="en-US" dirty="0"/>
-              <a:t>Later on, we can add the other parts – betting, card swaps, </a:t>
-            </a:r>
-            <a:r>
-              <a:rPr lang="en-US" dirty="0" err="1"/>
-              <a:t>etc</a:t>
-            </a:r>
+          <a:bodyPr>
+            <a:normAutofit lnSpcReduction="10000"/>
+          </a:bodyPr>
+          <a:lstStyle/>
+          <a:p>
+            <a:r>
+              <a:rPr lang="en-US" dirty="0"/>
+              <a:t>Can we do a comparison, with dummy values? </a:t>
+            </a:r>
+          </a:p>
+          <a:p>
+            <a:r>
+              <a:rPr lang="en-US" dirty="0"/>
+              <a:t>Can we do a comparison, with values coming from some toy function?</a:t>
+            </a:r>
+          </a:p>
+          <a:p>
+            <a:r>
+              <a:rPr lang="en-US" dirty="0"/>
+              <a:t>Can we do a comparison, with values coming from our simple function?</a:t>
+            </a:r>
+          </a:p>
+          <a:p>
             <a:r>
               <a:rPr lang="en-US" dirty="0"/>
               <a:t>…</a:t>
             </a:r>
           </a:p>
           <a:p>
-            <a:endParaRPr lang="en-US" dirty="0"/>
+            <a:r>
+              <a:rPr lang="en-US" dirty="0"/>
+              <a:t>Can we do a comparison, with values coming from a full poker hand value function?</a:t>
+            </a:r>
+          </a:p>
+          <a:p>
+            <a:r>
+              <a:rPr lang="en-US" dirty="0"/>
+              <a:t>Once our comparisons work (not necessarily finished), other stuff will start to. </a:t>
+            </a:r>
+          </a:p>
+          <a:p>
+            <a:pPr lvl="1"/>
+            <a:r>
+              <a:rPr lang="en-US" dirty="0"/>
+              <a:t>We can sort hands to determine their order, such as for the winner of something. </a:t>
+            </a:r>
+          </a:p>
+          <a:p>
+            <a:pPr lvl="1"/>
+            <a:r>
+              <a:rPr lang="en-US" dirty="0"/>
+              <a:t>We don’t need a special “winner*” function, the basic sorting things will do it. </a:t>
+            </a:r>
+          </a:p>
+          <a:p>
+            <a:r>
+              <a:rPr lang="en-US" dirty="0"/>
+              <a:t>*Poker can have split pots in ties, so this is one ignored consideration we’d need in reality. </a:t>
+            </a:r>
           </a:p>
         </p:txBody>
       </p:sp>
     </p:spTree>
     <p:extLst>
       <p:ext uri="{BB962C8B-B14F-4D97-AF65-F5344CB8AC3E}">
-        <p14:creationId xmlns:p14="http://schemas.microsoft.com/office/powerpoint/2010/main" val="3597032731"/>
+        <p14:creationId xmlns:p14="http://schemas.microsoft.com/office/powerpoint/2010/main" val="541140375"/>
       </p:ext>
     </p:extLst>
   </p:cSld>
@@ -4804,6 +4848,161 @@
           <p:cNvPr id="2" name="Title 1">
             <a:extLst>
               <a:ext uri="{FF2B5EF4-FFF2-40B4-BE49-F238E27FC236}">
+                <a16:creationId xmlns:a16="http://schemas.microsoft.com/office/drawing/2014/main" id="{56A4B07D-79F5-B470-23E7-42E503FF9A02}"/>
+              </a:ext>
+            </a:extLst>
+          </p:cNvPr>
+          <p:cNvSpPr>
+            <a:spLocks noGrp="1"/>
+          </p:cNvSpPr>
+          <p:nvPr>
+            <p:ph type="title"/>
+          </p:nvPr>
+        </p:nvSpPr>
+        <p:spPr/>
+        <p:txBody>
+          <a:bodyPr/>
+          <a:lstStyle/>
+          <a:p>
+            <a:r>
+              <a:rPr lang="en-US" dirty="0"/>
+              <a:t>Now let’s Try:</a:t>
+            </a:r>
+          </a:p>
+        </p:txBody>
+      </p:sp>
+      <p:sp>
+        <p:nvSpPr>
+          <p:cNvPr id="3" name="Content Placeholder 2">
+            <a:extLst>
+              <a:ext uri="{FF2B5EF4-FFF2-40B4-BE49-F238E27FC236}">
+                <a16:creationId xmlns:a16="http://schemas.microsoft.com/office/drawing/2014/main" id="{E2081109-BC74-E389-14DF-799897329E02}"/>
+              </a:ext>
+            </a:extLst>
+          </p:cNvPr>
+          <p:cNvSpPr>
+            <a:spLocks noGrp="1"/>
+          </p:cNvSpPr>
+          <p:nvPr>
+            <p:ph idx="1"/>
+          </p:nvPr>
+        </p:nvSpPr>
+        <p:spPr>
+          <a:xfrm>
+            <a:off x="1451579" y="1853754"/>
+            <a:ext cx="9603275" cy="4105344"/>
+          </a:xfrm>
+        </p:spPr>
+        <p:txBody>
+          <a:bodyPr/>
+          <a:lstStyle/>
+          <a:p>
+            <a:r>
+              <a:rPr lang="en-US" dirty="0"/>
+              <a:t>Finalizing the deck (for now) with the constructor and dealing. </a:t>
+            </a:r>
+          </a:p>
+          <a:p>
+            <a:r>
+              <a:rPr lang="en-US" dirty="0"/>
+              <a:t>Create the Hand class. </a:t>
+            </a:r>
+          </a:p>
+          <a:p>
+            <a:pPr lvl="1"/>
+            <a:r>
+              <a:rPr lang="en-US" dirty="0"/>
+              <a:t>Extend the deck to suit the Hand purposes. </a:t>
+            </a:r>
+          </a:p>
+          <a:p>
+            <a:pPr lvl="1"/>
+            <a:r>
+              <a:rPr lang="en-US" dirty="0"/>
+              <a:t>Add scoring so we can determine winner between two hands. </a:t>
+            </a:r>
+          </a:p>
+          <a:p>
+            <a:r>
+              <a:rPr lang="en-US" dirty="0"/>
+              <a:t>Create a Game class.</a:t>
+            </a:r>
+          </a:p>
+          <a:p>
+            <a:pPr lvl="1"/>
+            <a:r>
+              <a:rPr lang="en-US" dirty="0"/>
+              <a:t>The Game class holds the body of the game – make players, deal cards, other stuff like bets…</a:t>
+            </a:r>
+          </a:p>
+          <a:p>
+            <a:pPr lvl="1"/>
+            <a:r>
+              <a:rPr lang="en-US" dirty="0"/>
+              <a:t>Build a simple, one-step, game. We want to deal cards and find a winner. </a:t>
+            </a:r>
+          </a:p>
+          <a:p>
+            <a:pPr lvl="1"/>
+            <a:r>
+              <a:rPr lang="en-US" dirty="0"/>
+              <a:t>This will give us a working, but pretty bad, game. </a:t>
+            </a:r>
+          </a:p>
+          <a:p>
+            <a:r>
+              <a:rPr lang="en-US" dirty="0"/>
+              <a:t>Later on, we can add the other parts – betting, card swaps, </a:t>
+            </a:r>
+            <a:r>
+              <a:rPr lang="en-US" dirty="0" err="1"/>
+              <a:t>etc</a:t>
+            </a:r>
+            <a:r>
+              <a:rPr lang="en-US" dirty="0"/>
+              <a:t>…</a:t>
+            </a:r>
+          </a:p>
+          <a:p>
+            <a:endParaRPr lang="en-US" dirty="0"/>
+          </a:p>
+        </p:txBody>
+      </p:sp>
+    </p:spTree>
+    <p:extLst>
+      <p:ext uri="{BB962C8B-B14F-4D97-AF65-F5344CB8AC3E}">
+        <p14:creationId xmlns:p14="http://schemas.microsoft.com/office/powerpoint/2010/main" val="3597032731"/>
+      </p:ext>
+    </p:extLst>
+  </p:cSld>
+  <p:clrMapOvr>
+    <a:masterClrMapping/>
+  </p:clrMapOvr>
+</p:sld>
+</file>
+
+<file path=ppt/slides/slide18.xml><?xml version="1.0" encoding="utf-8"?>
+<p:sld xmlns:a="http://schemas.openxmlformats.org/drawingml/2006/main" xmlns:r="http://schemas.openxmlformats.org/officeDocument/2006/relationships" xmlns:p="http://schemas.openxmlformats.org/presentationml/2006/main">
+  <p:cSld>
+    <p:spTree>
+      <p:nvGrpSpPr>
+        <p:cNvPr id="1" name=""/>
+        <p:cNvGrpSpPr/>
+        <p:nvPr/>
+      </p:nvGrpSpPr>
+      <p:grpSpPr>
+        <a:xfrm>
+          <a:off x="0" y="0"/>
+          <a:ext cx="0" cy="0"/>
+          <a:chOff x="0" y="0"/>
+          <a:chExt cx="0" cy="0"/>
+        </a:xfrm>
+      </p:grpSpPr>
+      <p:sp>
+        <p:nvSpPr>
+          <p:cNvPr id="2" name="Title 1">
+            <a:extLst>
+              <a:ext uri="{FF2B5EF4-FFF2-40B4-BE49-F238E27FC236}">
                 <a16:creationId xmlns:a16="http://schemas.microsoft.com/office/drawing/2014/main" id="{F7E78CE1-6BAC-2E55-57FF-BDA9BA5DA824}"/>
               </a:ext>
             </a:extLst>
@@ -4934,7 +5133,7 @@
 </p:sld>
 </file>
 
-<file path=ppt/slides/slide18.xml><?xml version="1.0" encoding="utf-8"?>
+<file path=ppt/slides/slide19.xml><?xml version="1.0" encoding="utf-8"?>
 <p:sld xmlns:a="http://schemas.openxmlformats.org/drawingml/2006/main" xmlns:r="http://schemas.openxmlformats.org/officeDocument/2006/relationships" xmlns:p="http://schemas.openxmlformats.org/presentationml/2006/main">
   <p:cSld>
     <p:bg>
@@ -5140,159 +5339,6 @@
 </p:sld>
 </file>
 
-<file path=ppt/slides/slide19.xml><?xml version="1.0" encoding="utf-8"?>
-<p:sld xmlns:a="http://schemas.openxmlformats.org/drawingml/2006/main" xmlns:r="http://schemas.openxmlformats.org/officeDocument/2006/relationships" xmlns:p="http://schemas.openxmlformats.org/presentationml/2006/main">
-  <p:cSld>
-    <p:spTree>
-      <p:nvGrpSpPr>
-        <p:cNvPr id="1" name=""/>
-        <p:cNvGrpSpPr/>
-        <p:nvPr/>
-      </p:nvGrpSpPr>
-      <p:grpSpPr>
-        <a:xfrm>
-          <a:off x="0" y="0"/>
-          <a:ext cx="0" cy="0"/>
-          <a:chOff x="0" y="0"/>
-          <a:chExt cx="0" cy="0"/>
-        </a:xfrm>
-      </p:grpSpPr>
-      <p:sp>
-        <p:nvSpPr>
-          <p:cNvPr id="2" name="Title 1">
-            <a:extLst>
-              <a:ext uri="{FF2B5EF4-FFF2-40B4-BE49-F238E27FC236}">
-                <a16:creationId xmlns:a16="http://schemas.microsoft.com/office/drawing/2014/main" id="{D810CA8A-0929-4032-A5DB-5B5D10903C73}"/>
-              </a:ext>
-            </a:extLst>
-          </p:cNvPr>
-          <p:cNvSpPr>
-            <a:spLocks noGrp="1"/>
-          </p:cNvSpPr>
-          <p:nvPr>
-            <p:ph type="title"/>
-          </p:nvPr>
-        </p:nvSpPr>
-        <p:spPr/>
-        <p:txBody>
-          <a:bodyPr/>
-          <a:lstStyle/>
-          <a:p>
-            <a:r>
-              <a:rPr lang="en-US" dirty="0"/>
-              <a:t>Kanban Man!</a:t>
-            </a:r>
-          </a:p>
-        </p:txBody>
-      </p:sp>
-      <p:sp>
-        <p:nvSpPr>
-          <p:cNvPr id="3" name="Content Placeholder 2">
-            <a:extLst>
-              <a:ext uri="{FF2B5EF4-FFF2-40B4-BE49-F238E27FC236}">
-                <a16:creationId xmlns:a16="http://schemas.microsoft.com/office/drawing/2014/main" id="{E657D7FF-2F4B-D2E5-444C-6FAA981AB976}"/>
-              </a:ext>
-            </a:extLst>
-          </p:cNvPr>
-          <p:cNvSpPr>
-            <a:spLocks noGrp="1"/>
-          </p:cNvSpPr>
-          <p:nvPr>
-            <p:ph idx="1"/>
-          </p:nvPr>
-        </p:nvSpPr>
-        <p:spPr>
-          <a:xfrm>
-            <a:off x="1451579" y="2015732"/>
-            <a:ext cx="9603275" cy="4037749"/>
-          </a:xfrm>
-        </p:spPr>
-        <p:txBody>
-          <a:bodyPr/>
-          <a:lstStyle/>
-          <a:p>
-            <a:r>
-              <a:rPr lang="en-US" dirty="0"/>
-              <a:t>In my opinion Kanban is the easiest way to manage smaller projects. </a:t>
-            </a:r>
-          </a:p>
-          <a:p>
-            <a:pPr lvl="1"/>
-            <a:r>
-              <a:rPr lang="en-US" dirty="0"/>
-              <a:t>It has a low overhead, we just need to list off tasks and move them spot to spot. </a:t>
-            </a:r>
-          </a:p>
-          <a:p>
-            <a:pPr lvl="1"/>
-            <a:r>
-              <a:rPr lang="en-US" dirty="0"/>
-              <a:t>It is very simple to define what needs to be done, and to change it. </a:t>
-            </a:r>
-          </a:p>
-          <a:p>
-            <a:pPr lvl="1"/>
-            <a:r>
-              <a:rPr lang="en-US" dirty="0"/>
-              <a:t>In data science work, we often have smaller projects that change as we go. This works well. </a:t>
-            </a:r>
-          </a:p>
-          <a:p>
-            <a:r>
-              <a:rPr lang="en-US" dirty="0"/>
-              <a:t>Even if not formally using a Kanban board, I think this thinking is beneficial. </a:t>
-            </a:r>
-          </a:p>
-          <a:p>
-            <a:pPr lvl="1"/>
-            <a:r>
-              <a:rPr lang="en-US" dirty="0"/>
-              <a:t>Jira and Trello are tools that are (I think) free, if you’re looking for a tool. </a:t>
-            </a:r>
-          </a:p>
-          <a:p>
-            <a:r>
-              <a:rPr lang="en-US" dirty="0"/>
-              <a:t>Having something that works on an ongoing basis is easier (</a:t>
-            </a:r>
-            <a:r>
-              <a:rPr lang="en-US" dirty="0" err="1"/>
-              <a:t>imo</a:t>
-            </a:r>
-            <a:r>
-              <a:rPr lang="en-US" dirty="0"/>
-              <a:t>). </a:t>
-            </a:r>
-          </a:p>
-          <a:p>
-            <a:pPr lvl="1"/>
-            <a:r>
-              <a:rPr lang="en-US" dirty="0"/>
-              <a:t>We aren’t waiting to see if things work until every part is done. </a:t>
-            </a:r>
-          </a:p>
-          <a:p>
-            <a:pPr lvl="1"/>
-            <a:r>
-              <a:rPr lang="en-US" dirty="0"/>
-              <a:t>It is easier to find where failures occur, because we can use the interim program as we go. </a:t>
-            </a:r>
-          </a:p>
-        </p:txBody>
-      </p:sp>
-    </p:spTree>
-    <p:extLst>
-      <p:ext uri="{BB962C8B-B14F-4D97-AF65-F5344CB8AC3E}">
-        <p14:creationId xmlns:p14="http://schemas.microsoft.com/office/powerpoint/2010/main" val="3859932652"/>
-      </p:ext>
-    </p:extLst>
-  </p:cSld>
-  <p:clrMapOvr>
-    <a:masterClrMapping/>
-  </p:clrMapOvr>
-</p:sld>
-</file>
-
 <file path=ppt/slides/slide2.xml><?xml version="1.0" encoding="utf-8"?>
 <p:sld xmlns:a="http://schemas.openxmlformats.org/drawingml/2006/main" xmlns:r="http://schemas.openxmlformats.org/officeDocument/2006/relationships" xmlns:p="http://schemas.openxmlformats.org/presentationml/2006/main">
   <p:cSld>
@@ -5367,6 +5413,159 @@
     <p:extLst>
       <p:ext uri="{BB962C8B-B14F-4D97-AF65-F5344CB8AC3E}">
         <p14:creationId xmlns:p14="http://schemas.microsoft.com/office/powerpoint/2010/main" val="508195298"/>
+      </p:ext>
+    </p:extLst>
+  </p:cSld>
+  <p:clrMapOvr>
+    <a:masterClrMapping/>
+  </p:clrMapOvr>
+</p:sld>
+</file>
+
+<file path=ppt/slides/slide20.xml><?xml version="1.0" encoding="utf-8"?>
+<p:sld xmlns:a="http://schemas.openxmlformats.org/drawingml/2006/main" xmlns:r="http://schemas.openxmlformats.org/officeDocument/2006/relationships" xmlns:p="http://schemas.openxmlformats.org/presentationml/2006/main">
+  <p:cSld>
+    <p:spTree>
+      <p:nvGrpSpPr>
+        <p:cNvPr id="1" name=""/>
+        <p:cNvGrpSpPr/>
+        <p:nvPr/>
+      </p:nvGrpSpPr>
+      <p:grpSpPr>
+        <a:xfrm>
+          <a:off x="0" y="0"/>
+          <a:ext cx="0" cy="0"/>
+          <a:chOff x="0" y="0"/>
+          <a:chExt cx="0" cy="0"/>
+        </a:xfrm>
+      </p:grpSpPr>
+      <p:sp>
+        <p:nvSpPr>
+          <p:cNvPr id="2" name="Title 1">
+            <a:extLst>
+              <a:ext uri="{FF2B5EF4-FFF2-40B4-BE49-F238E27FC236}">
+                <a16:creationId xmlns:a16="http://schemas.microsoft.com/office/drawing/2014/main" id="{D810CA8A-0929-4032-A5DB-5B5D10903C73}"/>
+              </a:ext>
+            </a:extLst>
+          </p:cNvPr>
+          <p:cNvSpPr>
+            <a:spLocks noGrp="1"/>
+          </p:cNvSpPr>
+          <p:nvPr>
+            <p:ph type="title"/>
+          </p:nvPr>
+        </p:nvSpPr>
+        <p:spPr/>
+        <p:txBody>
+          <a:bodyPr/>
+          <a:lstStyle/>
+          <a:p>
+            <a:r>
+              <a:rPr lang="en-US" dirty="0"/>
+              <a:t>Kanban Man!</a:t>
+            </a:r>
+          </a:p>
+        </p:txBody>
+      </p:sp>
+      <p:sp>
+        <p:nvSpPr>
+          <p:cNvPr id="3" name="Content Placeholder 2">
+            <a:extLst>
+              <a:ext uri="{FF2B5EF4-FFF2-40B4-BE49-F238E27FC236}">
+                <a16:creationId xmlns:a16="http://schemas.microsoft.com/office/drawing/2014/main" id="{E657D7FF-2F4B-D2E5-444C-6FAA981AB976}"/>
+              </a:ext>
+            </a:extLst>
+          </p:cNvPr>
+          <p:cNvSpPr>
+            <a:spLocks noGrp="1"/>
+          </p:cNvSpPr>
+          <p:nvPr>
+            <p:ph idx="1"/>
+          </p:nvPr>
+        </p:nvSpPr>
+        <p:spPr>
+          <a:xfrm>
+            <a:off x="1451579" y="2015732"/>
+            <a:ext cx="9603275" cy="4037749"/>
+          </a:xfrm>
+        </p:spPr>
+        <p:txBody>
+          <a:bodyPr/>
+          <a:lstStyle/>
+          <a:p>
+            <a:r>
+              <a:rPr lang="en-US" dirty="0"/>
+              <a:t>In my opinion Kanban is the easiest way to manage smaller projects. </a:t>
+            </a:r>
+          </a:p>
+          <a:p>
+            <a:pPr lvl="1"/>
+            <a:r>
+              <a:rPr lang="en-US" dirty="0"/>
+              <a:t>It has a low overhead, we just need to list off tasks and move them spot to spot. </a:t>
+            </a:r>
+          </a:p>
+          <a:p>
+            <a:pPr lvl="1"/>
+            <a:r>
+              <a:rPr lang="en-US" dirty="0"/>
+              <a:t>It is very simple to define what needs to be done, and to change it. </a:t>
+            </a:r>
+          </a:p>
+          <a:p>
+            <a:pPr lvl="1"/>
+            <a:r>
+              <a:rPr lang="en-US" dirty="0"/>
+              <a:t>In data science work, we often have smaller projects that change as we go. This works well. </a:t>
+            </a:r>
+          </a:p>
+          <a:p>
+            <a:r>
+              <a:rPr lang="en-US" dirty="0"/>
+              <a:t>Even if not formally using a Kanban board, I think this thinking is beneficial. </a:t>
+            </a:r>
+          </a:p>
+          <a:p>
+            <a:pPr lvl="1"/>
+            <a:r>
+              <a:rPr lang="en-US" dirty="0"/>
+              <a:t>Jira and Trello are tools that are (I think) free, if you’re looking for a tool. </a:t>
+            </a:r>
+          </a:p>
+          <a:p>
+            <a:r>
+              <a:rPr lang="en-US" dirty="0"/>
+              <a:t>Having something that works on an ongoing basis is easier (</a:t>
+            </a:r>
+            <a:r>
+              <a:rPr lang="en-US" dirty="0" err="1"/>
+              <a:t>imo</a:t>
+            </a:r>
+            <a:r>
+              <a:rPr lang="en-US" dirty="0"/>
+              <a:t>). </a:t>
+            </a:r>
+          </a:p>
+          <a:p>
+            <a:pPr lvl="1"/>
+            <a:r>
+              <a:rPr lang="en-US" dirty="0"/>
+              <a:t>We aren’t waiting to see if things work until every part is done. </a:t>
+            </a:r>
+          </a:p>
+          <a:p>
+            <a:pPr lvl="1"/>
+            <a:r>
+              <a:rPr lang="en-US" dirty="0"/>
+              <a:t>It is easier to find where failures occur, because we can use the interim program as we go. </a:t>
+            </a:r>
+          </a:p>
+        </p:txBody>
+      </p:sp>
+    </p:spTree>
+    <p:extLst>
+      <p:ext uri="{BB962C8B-B14F-4D97-AF65-F5344CB8AC3E}">
+        <p14:creationId xmlns:p14="http://schemas.microsoft.com/office/powerpoint/2010/main" val="3859932652"/>
       </p:ext>
     </p:extLst>
   </p:cSld>
@@ -5398,7 +5597,7 @@
           <p:cNvPr id="2" name="Title 1">
             <a:extLst>
               <a:ext uri="{FF2B5EF4-FFF2-40B4-BE49-F238E27FC236}">
-                <a16:creationId xmlns:a16="http://schemas.microsoft.com/office/drawing/2014/main" id="{1873F698-7112-D0F3-6BAD-D6B20AA2C8CA}"/>
+                <a16:creationId xmlns:a16="http://schemas.microsoft.com/office/drawing/2014/main" id="{851491A7-8E83-0B3A-3471-E7E9E299FAFC}"/>
               </a:ext>
             </a:extLst>
           </p:cNvPr>
@@ -5416,7 +5615,7 @@
           <a:p>
             <a:r>
               <a:rPr lang="en-US" dirty="0"/>
-              <a:t>Deck Constructor</a:t>
+              <a:t>Our Poker Game</a:t>
             </a:r>
           </a:p>
         </p:txBody>
@@ -5426,7 +5625,7 @@
           <p:cNvPr id="3" name="Content Placeholder 2">
             <a:extLst>
               <a:ext uri="{FF2B5EF4-FFF2-40B4-BE49-F238E27FC236}">
-                <a16:creationId xmlns:a16="http://schemas.microsoft.com/office/drawing/2014/main" id="{F05EB350-BAB0-97C6-52BA-B02C64847DBB}"/>
+                <a16:creationId xmlns:a16="http://schemas.microsoft.com/office/drawing/2014/main" id="{80450168-D3FF-CC31-3AE8-1051DDDD3CB7}"/>
               </a:ext>
             </a:extLst>
           </p:cNvPr>
@@ -5439,8 +5638,8 @@
         </p:nvSpPr>
         <p:spPr>
           <a:xfrm>
-            <a:off x="1451579" y="2015732"/>
-            <a:ext cx="9603275" cy="4037749"/>
+            <a:off x="1451579" y="1853754"/>
+            <a:ext cx="9603275" cy="4136341"/>
           </a:xfrm>
         </p:spPr>
         <p:txBody>
@@ -5449,62 +5648,45 @@
           <a:p>
             <a:r>
               <a:rPr lang="en-US" dirty="0"/>
-              <a:t>Our deck constructor is setup right now to make a new deck. </a:t>
-            </a:r>
-          </a:p>
-          <a:p>
-            <a:pPr lvl="1"/>
-            <a:r>
-              <a:rPr lang="en-US" dirty="0"/>
-              <a:t>Create the data structure to hold the cards. </a:t>
-            </a:r>
-          </a:p>
-          <a:p>
-            <a:pPr lvl="1"/>
-            <a:r>
-              <a:rPr lang="en-US" dirty="0"/>
-              <a:t>Generate the 52 new cards to fill into a deck. </a:t>
-            </a:r>
-          </a:p>
-          <a:p>
-            <a:pPr lvl="1"/>
-            <a:r>
-              <a:rPr lang="en-US" dirty="0"/>
-              <a:t>Shuffle the deck so that it is ready to play with. </a:t>
-            </a:r>
-          </a:p>
-          <a:p>
-            <a:r>
-              <a:rPr lang="en-US" dirty="0"/>
-              <a:t>Problem – we (should) want to create different decks. </a:t>
-            </a:r>
-          </a:p>
-          <a:p>
-            <a:pPr lvl="1"/>
-            <a:r>
-              <a:rPr lang="en-US" dirty="0"/>
-              <a:t>A deck is really just a grouping of cards. </a:t>
-            </a:r>
-          </a:p>
-          <a:p>
-            <a:pPr lvl="1"/>
-            <a:r>
-              <a:rPr lang="en-US" dirty="0"/>
-              <a:t>Anything that we can do with a “full deck” can also be done with part of one. </a:t>
-            </a:r>
-          </a:p>
-          <a:p>
-            <a:pPr lvl="1"/>
-            <a:r>
-              <a:rPr lang="en-US" dirty="0"/>
-              <a:t>E.g. when taking cards out of a deck (like hands) those are all really just decks. </a:t>
-            </a:r>
-          </a:p>
-          <a:p>
-            <a:pPr lvl="1"/>
-            <a:r>
-              <a:rPr lang="en-US" dirty="0"/>
-              <a:t>Think about splitting a list into parts, the remainders are still lists. </a:t>
+              <a:t>Our poker game is in the process of being created. </a:t>
+            </a:r>
+          </a:p>
+          <a:p>
+            <a:r>
+              <a:rPr lang="en-US" dirty="0"/>
+              <a:t>Right now, our game is really, really simple – we can make a deck and deal cards. </a:t>
+            </a:r>
+          </a:p>
+          <a:p>
+            <a:r>
+              <a:rPr lang="en-US" dirty="0"/>
+              <a:t>The entire game is hard to just make directly. </a:t>
+            </a:r>
+          </a:p>
+          <a:p>
+            <a:r>
+              <a:rPr lang="en-US" dirty="0"/>
+              <a:t>We can make each individual part work, or work better, a little at a time. </a:t>
+            </a:r>
+          </a:p>
+          <a:p>
+            <a:r>
+              <a:rPr lang="en-US" dirty="0"/>
+              <a:t>Goal:</a:t>
+            </a:r>
+          </a:p>
+          <a:p>
+            <a:pPr lvl="1"/>
+            <a:r>
+              <a:rPr lang="en-US" dirty="0"/>
+              <a:t>Keep a (mostly) functioning poker game (that is incomplete). </a:t>
+            </a:r>
+          </a:p>
+          <a:p>
+            <a:pPr lvl="1"/>
+            <a:r>
+              <a:rPr lang="en-US" dirty="0"/>
+              <a:t>Continuously add and improve to get closer to the end goal. </a:t>
             </a:r>
           </a:p>
         </p:txBody>
@@ -5512,7 +5694,7 @@
     </p:spTree>
     <p:extLst>
       <p:ext uri="{BB962C8B-B14F-4D97-AF65-F5344CB8AC3E}">
-        <p14:creationId xmlns:p14="http://schemas.microsoft.com/office/powerpoint/2010/main" val="3812364568"/>
+        <p14:creationId xmlns:p14="http://schemas.microsoft.com/office/powerpoint/2010/main" val="3654568999"/>
       </p:ext>
     </p:extLst>
   </p:cSld>
@@ -5544,7 +5726,7 @@
           <p:cNvPr id="2" name="Title 1">
             <a:extLst>
               <a:ext uri="{FF2B5EF4-FFF2-40B4-BE49-F238E27FC236}">
-                <a16:creationId xmlns:a16="http://schemas.microsoft.com/office/drawing/2014/main" id="{84843102-F4D0-16F2-7B67-CFED42A0AEFA}"/>
+                <a16:creationId xmlns:a16="http://schemas.microsoft.com/office/drawing/2014/main" id="{1873F698-7112-D0F3-6BAD-D6B20AA2C8CA}"/>
               </a:ext>
             </a:extLst>
           </p:cNvPr>
@@ -5562,7 +5744,7 @@
           <a:p>
             <a:r>
               <a:rPr lang="en-US" dirty="0"/>
-              <a:t>Constructor Solution</a:t>
+              <a:t>Deck Constructor</a:t>
             </a:r>
           </a:p>
         </p:txBody>
@@ -5572,7 +5754,7 @@
           <p:cNvPr id="3" name="Content Placeholder 2">
             <a:extLst>
               <a:ext uri="{FF2B5EF4-FFF2-40B4-BE49-F238E27FC236}">
-                <a16:creationId xmlns:a16="http://schemas.microsoft.com/office/drawing/2014/main" id="{6E54C7B8-887D-493C-761F-8E61B160C5F5}"/>
+                <a16:creationId xmlns:a16="http://schemas.microsoft.com/office/drawing/2014/main" id="{F05EB350-BAB0-97C6-52BA-B02C64847DBB}"/>
               </a:ext>
             </a:extLst>
           </p:cNvPr>
@@ -5583,63 +5765,74 @@
             <p:ph idx="1"/>
           </p:nvPr>
         </p:nvSpPr>
-        <p:spPr/>
-        <p:txBody>
-          <a:bodyPr/>
-          <a:lstStyle/>
-          <a:p>
-            <a:r>
-              <a:rPr lang="en-US" dirty="0"/>
-              <a:t>The creation of a deck will always need to make the container. </a:t>
-            </a:r>
-          </a:p>
-          <a:p>
-            <a:pPr lvl="1"/>
-            <a:r>
-              <a:rPr lang="en-US" dirty="0"/>
-              <a:t>We can optionally fill it with 52 cards and shuffle (as we are now). </a:t>
-            </a:r>
-          </a:p>
-          <a:p>
-            <a:pPr lvl="1"/>
-            <a:r>
-              <a:rPr lang="en-US" dirty="0"/>
-              <a:t>We can add the ability to make it out of cards (using *</a:t>
-            </a:r>
-            <a:r>
-              <a:rPr lang="en-US" dirty="0" err="1"/>
-              <a:t>args</a:t>
-            </a:r>
-            <a:r>
-              <a:rPr lang="en-US" dirty="0"/>
-              <a:t>). </a:t>
-            </a:r>
-          </a:p>
-          <a:p>
-            <a:pPr lvl="1"/>
-            <a:r>
-              <a:rPr lang="en-US" dirty="0"/>
-              <a:t>This will allow us to make different decks – new or subsets. </a:t>
-            </a:r>
-          </a:p>
-          <a:p>
-            <a:r>
-              <a:rPr lang="en-US" dirty="0"/>
-              <a:t>We need to modify the deck to allow for different outcomes:</a:t>
-            </a:r>
-          </a:p>
-          <a:p>
-            <a:pPr lvl="1"/>
-            <a:r>
-              <a:rPr lang="en-US" dirty="0"/>
-              <a:t>New deck of 52 (we’ve done this)</a:t>
-            </a:r>
-          </a:p>
-          <a:p>
-            <a:pPr lvl="1"/>
-            <a:r>
-              <a:rPr lang="en-US" dirty="0"/>
-              <a:t>New deck of whatever cards are provided (need to add this). </a:t>
+        <p:spPr>
+          <a:xfrm>
+            <a:off x="1451579" y="2015732"/>
+            <a:ext cx="9603275" cy="4037749"/>
+          </a:xfrm>
+        </p:spPr>
+        <p:txBody>
+          <a:bodyPr/>
+          <a:lstStyle/>
+          <a:p>
+            <a:r>
+              <a:rPr lang="en-US" dirty="0"/>
+              <a:t>Our deck constructor is setup right now to make a new deck. </a:t>
+            </a:r>
+          </a:p>
+          <a:p>
+            <a:pPr lvl="1"/>
+            <a:r>
+              <a:rPr lang="en-US" dirty="0"/>
+              <a:t>Create the data structure to hold the cards. </a:t>
+            </a:r>
+          </a:p>
+          <a:p>
+            <a:pPr lvl="1"/>
+            <a:r>
+              <a:rPr lang="en-US" dirty="0"/>
+              <a:t>Generate the 52 new cards to fill into a deck. </a:t>
+            </a:r>
+          </a:p>
+          <a:p>
+            <a:pPr lvl="1"/>
+            <a:r>
+              <a:rPr lang="en-US" dirty="0"/>
+              <a:t>Shuffle the deck so that it is ready to play with. </a:t>
+            </a:r>
+          </a:p>
+          <a:p>
+            <a:r>
+              <a:rPr lang="en-US" dirty="0"/>
+              <a:t>Problem – we (should) want to create different decks. </a:t>
+            </a:r>
+          </a:p>
+          <a:p>
+            <a:pPr lvl="1"/>
+            <a:r>
+              <a:rPr lang="en-US" dirty="0"/>
+              <a:t>A deck is really just a grouping of cards. </a:t>
+            </a:r>
+          </a:p>
+          <a:p>
+            <a:pPr lvl="1"/>
+            <a:r>
+              <a:rPr lang="en-US" dirty="0"/>
+              <a:t>Anything that we can do with a “full deck” can also be done with part of one. </a:t>
+            </a:r>
+          </a:p>
+          <a:p>
+            <a:pPr lvl="1"/>
+            <a:r>
+              <a:rPr lang="en-US" dirty="0"/>
+              <a:t>E.g. when taking cards out of a deck (like hands) those are all really just decks. </a:t>
+            </a:r>
+          </a:p>
+          <a:p>
+            <a:pPr lvl="1"/>
+            <a:r>
+              <a:rPr lang="en-US" dirty="0"/>
+              <a:t>Think about splitting a list into parts, the remainders are still lists. </a:t>
             </a:r>
           </a:p>
         </p:txBody>
@@ -5647,7 +5840,7 @@
     </p:spTree>
     <p:extLst>
       <p:ext uri="{BB962C8B-B14F-4D97-AF65-F5344CB8AC3E}">
-        <p14:creationId xmlns:p14="http://schemas.microsoft.com/office/powerpoint/2010/main" val="727924098"/>
+        <p14:creationId xmlns:p14="http://schemas.microsoft.com/office/powerpoint/2010/main" val="3812364568"/>
       </p:ext>
     </p:extLst>
   </p:cSld>
@@ -5679,7 +5872,7 @@
           <p:cNvPr id="2" name="Title 1">
             <a:extLst>
               <a:ext uri="{FF2B5EF4-FFF2-40B4-BE49-F238E27FC236}">
-                <a16:creationId xmlns:a16="http://schemas.microsoft.com/office/drawing/2014/main" id="{F64ECAFC-AB17-040E-CF0F-1543B76AF41B}"/>
+                <a16:creationId xmlns:a16="http://schemas.microsoft.com/office/drawing/2014/main" id="{84843102-F4D0-16F2-7B67-CFED42A0AEFA}"/>
               </a:ext>
             </a:extLst>
           </p:cNvPr>
@@ -5697,7 +5890,7 @@
           <a:p>
             <a:r>
               <a:rPr lang="en-US" dirty="0"/>
-              <a:t>Software Engineering Ideas</a:t>
+              <a:t>Constructor Solution</a:t>
             </a:r>
           </a:p>
         </p:txBody>
@@ -5707,7 +5900,7 @@
           <p:cNvPr id="3" name="Content Placeholder 2">
             <a:extLst>
               <a:ext uri="{FF2B5EF4-FFF2-40B4-BE49-F238E27FC236}">
-                <a16:creationId xmlns:a16="http://schemas.microsoft.com/office/drawing/2014/main" id="{EFA27231-EE82-3710-407A-0D1387D4C193}"/>
+                <a16:creationId xmlns:a16="http://schemas.microsoft.com/office/drawing/2014/main" id="{6E54C7B8-887D-493C-761F-8E61B160C5F5}"/>
               </a:ext>
             </a:extLst>
           </p:cNvPr>
@@ -5718,66 +5911,63 @@
             <p:ph idx="1"/>
           </p:nvPr>
         </p:nvSpPr>
-        <p:spPr>
-          <a:xfrm>
-            <a:off x="1451579" y="2015732"/>
-            <a:ext cx="9603275" cy="4037749"/>
-          </a:xfrm>
-        </p:spPr>
-        <p:txBody>
-          <a:bodyPr/>
-          <a:lstStyle/>
-          <a:p>
-            <a:r>
-              <a:rPr lang="en-US" dirty="0"/>
-              <a:t>Figuring this all out, on the fly, is sometimes hard, that’s normal. </a:t>
-            </a:r>
-          </a:p>
-          <a:p>
-            <a:pPr lvl="1"/>
-            <a:r>
-              <a:rPr lang="en-US" dirty="0"/>
-              <a:t>Bashing your head in frustration is an unfortunate side effect of learning programming. </a:t>
-            </a:r>
-          </a:p>
-          <a:p>
-            <a:r>
-              <a:rPr lang="en-US" dirty="0"/>
-              <a:t>We’ll try to focus on a simple strategy to make things easier for now:</a:t>
-            </a:r>
-          </a:p>
-          <a:p>
-            <a:pPr lvl="1"/>
-            <a:r>
-              <a:rPr lang="en-US" dirty="0"/>
-              <a:t>Make it work, even if it doesn’t work well. Then improve what fails. </a:t>
-            </a:r>
-          </a:p>
-          <a:p>
-            <a:pPr lvl="1"/>
-            <a:r>
-              <a:rPr lang="en-US" dirty="0"/>
-              <a:t>As it is not working, keep a close eye on what is happening. I.e. print statements. </a:t>
-            </a:r>
-          </a:p>
-          <a:p>
-            <a:r>
-              <a:rPr lang="en-US" dirty="0"/>
-              <a:t>Some ideas can help us:</a:t>
-            </a:r>
-          </a:p>
-          <a:p>
-            <a:pPr lvl="1"/>
-            <a:r>
-              <a:rPr lang="en-US" dirty="0"/>
-              <a:t>Encapsulation – we want each object to be complete in what it stores and does. </a:t>
-            </a:r>
-          </a:p>
-          <a:p>
-            <a:pPr lvl="1"/>
-            <a:r>
-              <a:rPr lang="en-US" dirty="0"/>
-              <a:t>Inheritance/overriding – we can only add what we want to more simple types. </a:t>
+        <p:spPr/>
+        <p:txBody>
+          <a:bodyPr/>
+          <a:lstStyle/>
+          <a:p>
+            <a:r>
+              <a:rPr lang="en-US" dirty="0"/>
+              <a:t>The creation of a deck will always need to make the container. </a:t>
+            </a:r>
+          </a:p>
+          <a:p>
+            <a:pPr lvl="1"/>
+            <a:r>
+              <a:rPr lang="en-US" dirty="0"/>
+              <a:t>We can optionally fill it with 52 cards and shuffle (as we are now). </a:t>
+            </a:r>
+          </a:p>
+          <a:p>
+            <a:pPr lvl="1"/>
+            <a:r>
+              <a:rPr lang="en-US" dirty="0"/>
+              <a:t>We can add the ability to make it out of cards (using *</a:t>
+            </a:r>
+            <a:r>
+              <a:rPr lang="en-US" dirty="0" err="1"/>
+              <a:t>args</a:t>
+            </a:r>
+            <a:r>
+              <a:rPr lang="en-US" dirty="0"/>
+              <a:t>). </a:t>
+            </a:r>
+          </a:p>
+          <a:p>
+            <a:pPr lvl="1"/>
+            <a:r>
+              <a:rPr lang="en-US" dirty="0"/>
+              <a:t>This will allow us to make different decks – new or subsets. </a:t>
+            </a:r>
+          </a:p>
+          <a:p>
+            <a:r>
+              <a:rPr lang="en-US" dirty="0"/>
+              <a:t>We need to modify the deck to allow for different outcomes:</a:t>
+            </a:r>
+          </a:p>
+          <a:p>
+            <a:pPr lvl="1"/>
+            <a:r>
+              <a:rPr lang="en-US" dirty="0"/>
+              <a:t>New deck of 52 (we’ve done this)</a:t>
+            </a:r>
+          </a:p>
+          <a:p>
+            <a:pPr lvl="1"/>
+            <a:r>
+              <a:rPr lang="en-US" dirty="0"/>
+              <a:t>New deck of whatever cards are provided (need to add this). </a:t>
             </a:r>
           </a:p>
         </p:txBody>
@@ -5785,7 +5975,7 @@
     </p:spTree>
     <p:extLst>
       <p:ext uri="{BB962C8B-B14F-4D97-AF65-F5344CB8AC3E}">
-        <p14:creationId xmlns:p14="http://schemas.microsoft.com/office/powerpoint/2010/main" val="1088648387"/>
+        <p14:creationId xmlns:p14="http://schemas.microsoft.com/office/powerpoint/2010/main" val="727924098"/>
       </p:ext>
     </p:extLst>
   </p:cSld>
@@ -5817,7 +6007,7 @@
           <p:cNvPr id="2" name="Title 1">
             <a:extLst>
               <a:ext uri="{FF2B5EF4-FFF2-40B4-BE49-F238E27FC236}">
-                <a16:creationId xmlns:a16="http://schemas.microsoft.com/office/drawing/2014/main" id="{133695E6-0163-86F6-2E59-C07395CF8981}"/>
+                <a16:creationId xmlns:a16="http://schemas.microsoft.com/office/drawing/2014/main" id="{F64ECAFC-AB17-040E-CF0F-1543B76AF41B}"/>
               </a:ext>
             </a:extLst>
           </p:cNvPr>
@@ -5835,15 +6025,7 @@
           <a:p>
             <a:r>
               <a:rPr lang="en-US" dirty="0"/>
-              <a:t>Adding *</a:t>
-            </a:r>
-            <a:r>
-              <a:rPr lang="en-US" dirty="0" err="1"/>
-              <a:t>args</a:t>
-            </a:r>
-            <a:r>
-              <a:rPr lang="en-US" dirty="0"/>
-              <a:t> for Constructor</a:t>
+              <a:t>Software Engineering Ideas</a:t>
             </a:r>
           </a:p>
         </p:txBody>
@@ -5853,7 +6035,7 @@
           <p:cNvPr id="3" name="Content Placeholder 2">
             <a:extLst>
               <a:ext uri="{FF2B5EF4-FFF2-40B4-BE49-F238E27FC236}">
-                <a16:creationId xmlns:a16="http://schemas.microsoft.com/office/drawing/2014/main" id="{6A8D5A66-B5D7-A0F3-00A4-B611307FD788}"/>
+                <a16:creationId xmlns:a16="http://schemas.microsoft.com/office/drawing/2014/main" id="{EFA27231-EE82-3710-407A-0D1387D4C193}"/>
               </a:ext>
             </a:extLst>
           </p:cNvPr>
@@ -5866,129 +6048,64 @@
         </p:nvSpPr>
         <p:spPr>
           <a:xfrm>
-            <a:off x="1451579" y="1853754"/>
-            <a:ext cx="9603275" cy="4199727"/>
+            <a:off x="1451579" y="2015732"/>
+            <a:ext cx="9603275" cy="4037749"/>
           </a:xfrm>
         </p:spPr>
         <p:txBody>
-          <a:bodyPr>
-            <a:normAutofit/>
-          </a:bodyPr>
-          <a:lstStyle/>
-          <a:p>
-            <a:r>
-              <a:rPr lang="en-US" dirty="0"/>
-              <a:t>What can we do to add this?</a:t>
-            </a:r>
-          </a:p>
-          <a:p>
-            <a:pPr lvl="1"/>
-            <a:r>
-              <a:rPr lang="en-US" dirty="0"/>
-              <a:t>Define what we are getting and returning:</a:t>
-            </a:r>
-          </a:p>
-          <a:p>
-            <a:pPr lvl="2"/>
-            <a:r>
-              <a:rPr lang="en-US" dirty="0"/>
-              <a:t>Case 1 – new deck: Arguments – fill/shuffle options True. Return – deck object. </a:t>
-            </a:r>
-          </a:p>
-          <a:p>
-            <a:pPr lvl="2"/>
-            <a:r>
-              <a:rPr lang="en-US" dirty="0"/>
-              <a:t>Case 2 – small deck: Arguments – fill/shuffle options False, </a:t>
-            </a:r>
-            <a:r>
-              <a:rPr lang="en-US" dirty="0" err="1"/>
-              <a:t>Args</a:t>
-            </a:r>
-            <a:r>
-              <a:rPr lang="en-US" dirty="0"/>
-              <a:t> is a tuple of Cards. Return – deck. </a:t>
-            </a:r>
-          </a:p>
-          <a:p>
-            <a:pPr lvl="1"/>
-            <a:r>
-              <a:rPr lang="en-US" dirty="0"/>
-              <a:t>Define the change that we need to make:</a:t>
-            </a:r>
-          </a:p>
-          <a:p>
-            <a:pPr lvl="2"/>
-            <a:r>
-              <a:rPr lang="en-US" dirty="0"/>
-              <a:t>Add the argument of </a:t>
-            </a:r>
-            <a:r>
-              <a:rPr lang="en-US" dirty="0" err="1"/>
-              <a:t>args</a:t>
-            </a:r>
-            <a:r>
-              <a:rPr lang="en-US" dirty="0"/>
-              <a:t> for cards. </a:t>
-            </a:r>
-          </a:p>
-          <a:p>
-            <a:pPr lvl="2"/>
-            <a:r>
-              <a:rPr lang="en-US" dirty="0"/>
-              <a:t>Add a control statement to do one or the other. </a:t>
-            </a:r>
-          </a:p>
-          <a:p>
-            <a:pPr lvl="1"/>
-            <a:r>
-              <a:rPr lang="en-US" dirty="0"/>
-              <a:t>Add the *</a:t>
-            </a:r>
-            <a:r>
-              <a:rPr lang="en-US" dirty="0" err="1"/>
-              <a:t>args</a:t>
-            </a:r>
-            <a:r>
-              <a:rPr lang="en-US" dirty="0"/>
-              <a:t> argument to the constructor, don’t use it, and make sure it still works as it was. </a:t>
-            </a:r>
-          </a:p>
-          <a:p>
-            <a:pPr lvl="1"/>
-            <a:r>
-              <a:rPr lang="en-US" dirty="0"/>
-              <a:t>Add a step to the constructor to print what the </a:t>
-            </a:r>
-            <a:r>
-              <a:rPr lang="en-US" dirty="0" err="1"/>
-              <a:t>args</a:t>
-            </a:r>
-            <a:r>
-              <a:rPr lang="en-US" dirty="0"/>
-              <a:t> contains, without changing function. </a:t>
-            </a:r>
-          </a:p>
-          <a:p>
-            <a:pPr lvl="2"/>
-            <a:r>
-              <a:rPr lang="en-US" dirty="0"/>
-              <a:t>Verify what I am getting is what I expect – a tuple of card objects. </a:t>
-            </a:r>
-          </a:p>
-          <a:p>
-            <a:pPr lvl="2"/>
-            <a:r>
-              <a:rPr lang="en-US" dirty="0"/>
-              <a:t>If something goes wrong here I know it is due to passing or grabbing the </a:t>
-            </a:r>
-            <a:r>
-              <a:rPr lang="en-US" dirty="0" err="1"/>
-              <a:t>args</a:t>
-            </a:r>
-            <a:r>
-              <a:rPr lang="en-US" dirty="0"/>
-              <a:t>. </a:t>
+          <a:bodyPr/>
+          <a:lstStyle/>
+          <a:p>
+            <a:r>
+              <a:rPr lang="en-US" dirty="0"/>
+              <a:t>Figuring this all out, on the fly, is sometimes hard, that’s normal. </a:t>
+            </a:r>
+          </a:p>
+          <a:p>
+            <a:pPr lvl="1"/>
+            <a:r>
+              <a:rPr lang="en-US" dirty="0"/>
+              <a:t>Bashing your head in frustration is an unfortunate side effect of learning programming. </a:t>
+            </a:r>
+          </a:p>
+          <a:p>
+            <a:r>
+              <a:rPr lang="en-US" dirty="0"/>
+              <a:t>We’ll try to focus on a simple strategy to make things easier for now:</a:t>
+            </a:r>
+          </a:p>
+          <a:p>
+            <a:pPr lvl="1"/>
+            <a:r>
+              <a:rPr lang="en-US" dirty="0"/>
+              <a:t>Make it work, even if it doesn’t work well. Then improve what fails. </a:t>
+            </a:r>
+          </a:p>
+          <a:p>
+            <a:pPr lvl="1"/>
+            <a:r>
+              <a:rPr lang="en-US" dirty="0"/>
+              <a:t>As it is not working, keep a close eye on what is happening. I.e. print statements. </a:t>
+            </a:r>
+          </a:p>
+          <a:p>
+            <a:r>
+              <a:rPr lang="en-US" dirty="0"/>
+              <a:t>Some ideas can help us:</a:t>
+            </a:r>
+          </a:p>
+          <a:p>
+            <a:pPr lvl="1"/>
+            <a:r>
+              <a:rPr lang="en-US" dirty="0"/>
+              <a:t>Encapsulation – we want each object to be complete in what it stores and does. </a:t>
+            </a:r>
+          </a:p>
+          <a:p>
+            <a:pPr lvl="1"/>
+            <a:r>
+              <a:rPr lang="en-US" dirty="0"/>
+              <a:t>Inheritance/overriding – we can only add what we want to more simple types. </a:t>
             </a:r>
           </a:p>
         </p:txBody>
@@ -5996,7 +6113,7 @@
     </p:spTree>
     <p:extLst>
       <p:ext uri="{BB962C8B-B14F-4D97-AF65-F5344CB8AC3E}">
-        <p14:creationId xmlns:p14="http://schemas.microsoft.com/office/powerpoint/2010/main" val="3295969160"/>
+        <p14:creationId xmlns:p14="http://schemas.microsoft.com/office/powerpoint/2010/main" val="1088648387"/>
       </p:ext>
     </p:extLst>
   </p:cSld>
@@ -6028,7 +6145,7 @@
           <p:cNvPr id="2" name="Title 1">
             <a:extLst>
               <a:ext uri="{FF2B5EF4-FFF2-40B4-BE49-F238E27FC236}">
-                <a16:creationId xmlns:a16="http://schemas.microsoft.com/office/drawing/2014/main" id="{2409D84F-18B2-A240-3C47-598ECA0ADED3}"/>
+                <a16:creationId xmlns:a16="http://schemas.microsoft.com/office/drawing/2014/main" id="{133695E6-0163-86F6-2E59-C07395CF8981}"/>
               </a:ext>
             </a:extLst>
           </p:cNvPr>
@@ -6046,7 +6163,15 @@
           <a:p>
             <a:r>
               <a:rPr lang="en-US" dirty="0"/>
-              <a:t>Cont.</a:t>
+              <a:t>Adding *</a:t>
+            </a:r>
+            <a:r>
+              <a:rPr lang="en-US" dirty="0" err="1"/>
+              <a:t>args</a:t>
+            </a:r>
+            <a:r>
+              <a:rPr lang="en-US" dirty="0"/>
+              <a:t> for Constructor</a:t>
             </a:r>
           </a:p>
         </p:txBody>
@@ -6056,7 +6181,7 @@
           <p:cNvPr id="3" name="Content Placeholder 2">
             <a:extLst>
               <a:ext uri="{FF2B5EF4-FFF2-40B4-BE49-F238E27FC236}">
-                <a16:creationId xmlns:a16="http://schemas.microsoft.com/office/drawing/2014/main" id="{39CFBB65-CD3D-B989-1186-61F63F8AB8DC}"/>
+                <a16:creationId xmlns:a16="http://schemas.microsoft.com/office/drawing/2014/main" id="{6A8D5A66-B5D7-A0F3-00A4-B611307FD788}"/>
               </a:ext>
             </a:extLst>
           </p:cNvPr>
@@ -6069,71 +6194,129 @@
         </p:nvSpPr>
         <p:spPr>
           <a:xfrm>
-            <a:off x="725557" y="2015732"/>
-            <a:ext cx="10783956" cy="4037749"/>
+            <a:off x="1451579" y="1853754"/>
+            <a:ext cx="9603275" cy="4199727"/>
           </a:xfrm>
         </p:spPr>
         <p:txBody>
-          <a:bodyPr/>
-          <a:lstStyle/>
-          <a:p>
-            <a:r>
-              <a:rPr lang="en-US" dirty="0"/>
-              <a:t>Now I know that my constructor works and can “see” the cards that I want to use. </a:t>
-            </a:r>
-          </a:p>
-          <a:p>
-            <a:r>
-              <a:rPr lang="en-US" dirty="0"/>
-              <a:t>Define and test the control condition for full deck / small deck:</a:t>
-            </a:r>
-          </a:p>
-          <a:p>
-            <a:pPr lvl="1"/>
-            <a:r>
-              <a:rPr lang="en-US" dirty="0"/>
-              <a:t>If doing a full deck, make sure that I don’t break it. </a:t>
-            </a:r>
-          </a:p>
-          <a:p>
-            <a:pPr lvl="1"/>
-            <a:r>
-              <a:rPr lang="en-US" dirty="0"/>
-              <a:t>If doing a small deck, start with just printing out the cards or something easy. Return an empty deck.</a:t>
-            </a:r>
-          </a:p>
-          <a:p>
-            <a:pPr lvl="1"/>
-            <a:r>
-              <a:rPr lang="en-US" dirty="0"/>
-              <a:t>I can also separate the steps of processing the input and printing it, and making the new object. </a:t>
-            </a:r>
-          </a:p>
-          <a:p>
-            <a:pPr lvl="1"/>
-            <a:r>
-              <a:rPr lang="en-US" dirty="0"/>
-              <a:t>If something goes wrong here I know it was something to do with logic and argument options. </a:t>
-            </a:r>
-          </a:p>
-          <a:p>
-            <a:r>
-              <a:rPr lang="en-US" dirty="0"/>
-              <a:t>Add a step to construct the small deck, so the second option will now return the result. </a:t>
-            </a:r>
-          </a:p>
-          <a:p>
-            <a:pPr lvl="1"/>
-            <a:r>
-              <a:rPr lang="en-US" dirty="0"/>
-              <a:t>I.e. replace the generation part in a full deck with taking the cards and putting them in. </a:t>
-            </a:r>
-          </a:p>
-          <a:p>
-            <a:pPr lvl="1"/>
-            <a:r>
-              <a:rPr lang="en-US" dirty="0"/>
-              <a:t>If something here fails, we know it was the step off adding cards to a deck</a:t>
+          <a:bodyPr>
+            <a:normAutofit/>
+          </a:bodyPr>
+          <a:lstStyle/>
+          <a:p>
+            <a:r>
+              <a:rPr lang="en-US" dirty="0"/>
+              <a:t>What can we do to add this?</a:t>
+            </a:r>
+          </a:p>
+          <a:p>
+            <a:pPr lvl="1"/>
+            <a:r>
+              <a:rPr lang="en-US" dirty="0"/>
+              <a:t>Define what we are getting and returning:</a:t>
+            </a:r>
+          </a:p>
+          <a:p>
+            <a:pPr lvl="2"/>
+            <a:r>
+              <a:rPr lang="en-US" dirty="0"/>
+              <a:t>Case 1 – new deck: Arguments – fill/shuffle options True. Return – deck object. </a:t>
+            </a:r>
+          </a:p>
+          <a:p>
+            <a:pPr lvl="2"/>
+            <a:r>
+              <a:rPr lang="en-US" dirty="0"/>
+              <a:t>Case 2 – small deck: Arguments – fill/shuffle options False, </a:t>
+            </a:r>
+            <a:r>
+              <a:rPr lang="en-US" dirty="0" err="1"/>
+              <a:t>Args</a:t>
+            </a:r>
+            <a:r>
+              <a:rPr lang="en-US" dirty="0"/>
+              <a:t> is a tuple of Cards. Return – deck. </a:t>
+            </a:r>
+          </a:p>
+          <a:p>
+            <a:pPr lvl="1"/>
+            <a:r>
+              <a:rPr lang="en-US" dirty="0"/>
+              <a:t>Define the change that we need to make:</a:t>
+            </a:r>
+          </a:p>
+          <a:p>
+            <a:pPr lvl="2"/>
+            <a:r>
+              <a:rPr lang="en-US" dirty="0"/>
+              <a:t>Add the argument of </a:t>
+            </a:r>
+            <a:r>
+              <a:rPr lang="en-US" dirty="0" err="1"/>
+              <a:t>args</a:t>
+            </a:r>
+            <a:r>
+              <a:rPr lang="en-US" dirty="0"/>
+              <a:t> for cards. </a:t>
+            </a:r>
+          </a:p>
+          <a:p>
+            <a:pPr lvl="2"/>
+            <a:r>
+              <a:rPr lang="en-US" dirty="0"/>
+              <a:t>Add a control statement to do one or the other. </a:t>
+            </a:r>
+          </a:p>
+          <a:p>
+            <a:pPr lvl="1"/>
+            <a:r>
+              <a:rPr lang="en-US" dirty="0"/>
+              <a:t>Add the *</a:t>
+            </a:r>
+            <a:r>
+              <a:rPr lang="en-US" dirty="0" err="1"/>
+              <a:t>args</a:t>
+            </a:r>
+            <a:r>
+              <a:rPr lang="en-US" dirty="0"/>
+              <a:t> argument to the constructor, don’t use it, and make sure it still works as it was. </a:t>
+            </a:r>
+          </a:p>
+          <a:p>
+            <a:pPr lvl="1"/>
+            <a:r>
+              <a:rPr lang="en-US" dirty="0"/>
+              <a:t>Add a step to the constructor to print what the </a:t>
+            </a:r>
+            <a:r>
+              <a:rPr lang="en-US" dirty="0" err="1"/>
+              <a:t>args</a:t>
+            </a:r>
+            <a:r>
+              <a:rPr lang="en-US" dirty="0"/>
+              <a:t> contains, without changing function. </a:t>
+            </a:r>
+          </a:p>
+          <a:p>
+            <a:pPr lvl="2"/>
+            <a:r>
+              <a:rPr lang="en-US" dirty="0"/>
+              <a:t>Verify what I am getting is what I expect – a tuple of card objects. </a:t>
+            </a:r>
+          </a:p>
+          <a:p>
+            <a:pPr lvl="2"/>
+            <a:r>
+              <a:rPr lang="en-US" dirty="0"/>
+              <a:t>If something goes wrong here I know it is due to passing or grabbing the </a:t>
+            </a:r>
+            <a:r>
+              <a:rPr lang="en-US" dirty="0" err="1"/>
+              <a:t>args</a:t>
+            </a:r>
+            <a:r>
+              <a:rPr lang="en-US" dirty="0"/>
+              <a:t>. </a:t>
             </a:r>
           </a:p>
         </p:txBody>
@@ -6141,7 +6324,7 @@
     </p:spTree>
     <p:extLst>
       <p:ext uri="{BB962C8B-B14F-4D97-AF65-F5344CB8AC3E}">
-        <p14:creationId xmlns:p14="http://schemas.microsoft.com/office/powerpoint/2010/main" val="3013411299"/>
+        <p14:creationId xmlns:p14="http://schemas.microsoft.com/office/powerpoint/2010/main" val="3295969160"/>
       </p:ext>
     </p:extLst>
   </p:cSld>
@@ -6173,7 +6356,7 @@
           <p:cNvPr id="2" name="Title 1">
             <a:extLst>
               <a:ext uri="{FF2B5EF4-FFF2-40B4-BE49-F238E27FC236}">
-                <a16:creationId xmlns:a16="http://schemas.microsoft.com/office/drawing/2014/main" id="{28699051-3447-B17E-8507-50315872AB6D}"/>
+                <a16:creationId xmlns:a16="http://schemas.microsoft.com/office/drawing/2014/main" id="{2409D84F-18B2-A240-3C47-598ECA0ADED3}"/>
               </a:ext>
             </a:extLst>
           </p:cNvPr>
@@ -6191,7 +6374,7 @@
           <a:p>
             <a:r>
               <a:rPr lang="en-US" dirty="0"/>
-              <a:t>With well encapsulated Functions</a:t>
+              <a:t>Cont.</a:t>
             </a:r>
           </a:p>
         </p:txBody>
@@ -6201,7 +6384,7 @@
           <p:cNvPr id="3" name="Content Placeholder 2">
             <a:extLst>
               <a:ext uri="{FF2B5EF4-FFF2-40B4-BE49-F238E27FC236}">
-                <a16:creationId xmlns:a16="http://schemas.microsoft.com/office/drawing/2014/main" id="{B677BA0D-6D48-F357-AB49-0D1D0312B947}"/>
+                <a16:creationId xmlns:a16="http://schemas.microsoft.com/office/drawing/2014/main" id="{39CFBB65-CD3D-B989-1186-61F63F8AB8DC}"/>
               </a:ext>
             </a:extLst>
           </p:cNvPr>
@@ -6214,96 +6397,71 @@
         </p:nvSpPr>
         <p:spPr>
           <a:xfrm>
-            <a:off x="1137146" y="1853754"/>
-            <a:ext cx="10024497" cy="4199727"/>
+            <a:off x="725557" y="2015732"/>
+            <a:ext cx="10783956" cy="4037749"/>
           </a:xfrm>
         </p:spPr>
         <p:txBody>
-          <a:bodyPr>
-            <a:normAutofit/>
-          </a:bodyPr>
-          <a:lstStyle/>
-          <a:p>
-            <a:r>
-              <a:rPr lang="en-US" dirty="0"/>
-              <a:t>Define the arguments and the return value (if not specified). </a:t>
-            </a:r>
-          </a:p>
-          <a:p>
-            <a:pPr lvl="1"/>
-            <a:r>
-              <a:rPr lang="en-US" dirty="0"/>
-              <a:t>This is a reason we want to split things into functions, they can be tested and reused. </a:t>
-            </a:r>
-          </a:p>
-          <a:p>
-            <a:r>
-              <a:rPr lang="en-US" dirty="0"/>
-              <a:t>Start with an empty shell of the function:</a:t>
-            </a:r>
-          </a:p>
-          <a:p>
-            <a:pPr lvl="1"/>
-            <a:r>
-              <a:rPr lang="en-US" dirty="0"/>
-              <a:t>Take in arguments and look at them (print, info, length, </a:t>
-            </a:r>
-            <a:r>
-              <a:rPr lang="en-US" dirty="0" err="1"/>
-              <a:t>etc</a:t>
-            </a:r>
-            <a:r>
-              <a:rPr lang="en-US" dirty="0"/>
-              <a:t>…)</a:t>
-            </a:r>
-          </a:p>
-          <a:p>
-            <a:pPr lvl="1"/>
-            <a:r>
-              <a:rPr lang="en-US" dirty="0"/>
-              <a:t>Return some empty or default version of whatever you need to provide. (Other code still works)</a:t>
-            </a:r>
-          </a:p>
-          <a:p>
-            <a:pPr lvl="1"/>
-            <a:r>
-              <a:rPr lang="en-US" dirty="0"/>
-              <a:t>Now the goal is fixed – go from the start to the end. It generally doesn’t matter how. </a:t>
-            </a:r>
-          </a:p>
-          <a:p>
-            <a:r>
-              <a:rPr lang="en-US" dirty="0"/>
-              <a:t>Begin to work incrementally on the problem:</a:t>
-            </a:r>
-          </a:p>
-          <a:p>
-            <a:pPr lvl="1"/>
-            <a:r>
-              <a:rPr lang="en-US" dirty="0"/>
-              <a:t>If there are control logic like ifs or loops, can we make an empty one. Print where you are in each. </a:t>
-            </a:r>
-          </a:p>
-          <a:p>
-            <a:pPr lvl="1"/>
-            <a:r>
-              <a:rPr lang="en-US" dirty="0"/>
-              <a:t>When doing the “processing” part update print or return </a:t>
-            </a:r>
-            <a:r>
-              <a:rPr lang="en-US" dirty="0" err="1"/>
-              <a:t>vals</a:t>
-            </a:r>
-            <a:r>
-              <a:rPr lang="en-US" dirty="0"/>
-              <a:t> progressively to see what changes. </a:t>
-            </a:r>
-          </a:p>
-          <a:p>
-            <a:pPr lvl="1"/>
-            <a:r>
-              <a:rPr lang="en-US" dirty="0"/>
-              <a:t>As we add each additional step, if things stop working, we know it was that step. </a:t>
+          <a:bodyPr/>
+          <a:lstStyle/>
+          <a:p>
+            <a:r>
+              <a:rPr lang="en-US" dirty="0"/>
+              <a:t>Now I know that my constructor works and can “see” the cards that I want to use. </a:t>
+            </a:r>
+          </a:p>
+          <a:p>
+            <a:r>
+              <a:rPr lang="en-US" dirty="0"/>
+              <a:t>Define and test the control condition for full deck / small deck:</a:t>
+            </a:r>
+          </a:p>
+          <a:p>
+            <a:pPr lvl="1"/>
+            <a:r>
+              <a:rPr lang="en-US" dirty="0"/>
+              <a:t>If doing a full deck, make sure that I don’t break it. </a:t>
+            </a:r>
+          </a:p>
+          <a:p>
+            <a:pPr lvl="1"/>
+            <a:r>
+              <a:rPr lang="en-US" dirty="0"/>
+              <a:t>If doing a small deck, start with just printing out the cards or something easy. Return an empty deck.</a:t>
+            </a:r>
+          </a:p>
+          <a:p>
+            <a:pPr lvl="1"/>
+            <a:r>
+              <a:rPr lang="en-US" dirty="0"/>
+              <a:t>I can also separate the steps of processing the input and printing it, and making the new object. </a:t>
+            </a:r>
+          </a:p>
+          <a:p>
+            <a:pPr lvl="1"/>
+            <a:r>
+              <a:rPr lang="en-US" dirty="0"/>
+              <a:t>If something goes wrong here I know it was something to do with logic and argument options. </a:t>
+            </a:r>
+          </a:p>
+          <a:p>
+            <a:r>
+              <a:rPr lang="en-US" dirty="0"/>
+              <a:t>Add a step to construct the small deck, so the second option will now return the result. </a:t>
+            </a:r>
+          </a:p>
+          <a:p>
+            <a:pPr lvl="1"/>
+            <a:r>
+              <a:rPr lang="en-US" dirty="0"/>
+              <a:t>I.e. replace the generation part in a full deck with taking the cards and putting them in. </a:t>
+            </a:r>
+          </a:p>
+          <a:p>
+            <a:pPr lvl="1"/>
+            <a:r>
+              <a:rPr lang="en-US" dirty="0"/>
+              <a:t>If something here fails, we know it was the step off adding cards to a deck</a:t>
             </a:r>
           </a:p>
         </p:txBody>
@@ -6311,7 +6469,7 @@
     </p:spTree>
     <p:extLst>
       <p:ext uri="{BB962C8B-B14F-4D97-AF65-F5344CB8AC3E}">
-        <p14:creationId xmlns:p14="http://schemas.microsoft.com/office/powerpoint/2010/main" val="2265251456"/>
+        <p14:creationId xmlns:p14="http://schemas.microsoft.com/office/powerpoint/2010/main" val="3013411299"/>
       </p:ext>
     </p:extLst>
   </p:cSld>
@@ -6343,7 +6501,7 @@
           <p:cNvPr id="2" name="Title 1">
             <a:extLst>
               <a:ext uri="{FF2B5EF4-FFF2-40B4-BE49-F238E27FC236}">
-                <a16:creationId xmlns:a16="http://schemas.microsoft.com/office/drawing/2014/main" id="{7F53AC10-5D87-A577-6687-5CA0D78CF88A}"/>
+                <a16:creationId xmlns:a16="http://schemas.microsoft.com/office/drawing/2014/main" id="{28699051-3447-B17E-8507-50315872AB6D}"/>
               </a:ext>
             </a:extLst>
           </p:cNvPr>
@@ -6361,7 +6519,7 @@
           <a:p>
             <a:r>
               <a:rPr lang="en-US" dirty="0"/>
-              <a:t>The Black Box of Software</a:t>
+              <a:t>With well encapsulated Functions</a:t>
             </a:r>
           </a:p>
         </p:txBody>
@@ -6371,7 +6529,7 @@
           <p:cNvPr id="3" name="Content Placeholder 2">
             <a:extLst>
               <a:ext uri="{FF2B5EF4-FFF2-40B4-BE49-F238E27FC236}">
-                <a16:creationId xmlns:a16="http://schemas.microsoft.com/office/drawing/2014/main" id="{4AAB075A-5815-FBF6-B3D4-45392B5A7969}"/>
+                <a16:creationId xmlns:a16="http://schemas.microsoft.com/office/drawing/2014/main" id="{B677BA0D-6D48-F357-AB49-0D1D0312B947}"/>
               </a:ext>
             </a:extLst>
           </p:cNvPr>
@@ -6384,63 +6542,96 @@
         </p:nvSpPr>
         <p:spPr>
           <a:xfrm>
-            <a:off x="1451579" y="1853754"/>
-            <a:ext cx="9603275" cy="4199727"/>
+            <a:off x="1137146" y="1853754"/>
+            <a:ext cx="10024497" cy="4199727"/>
           </a:xfrm>
         </p:spPr>
         <p:txBody>
-          <a:bodyPr/>
-          <a:lstStyle/>
-          <a:p>
-            <a:r>
-              <a:rPr lang="en-US" dirty="0"/>
-              <a:t>A common term you see in software is a Black Box. </a:t>
-            </a:r>
-          </a:p>
-          <a:p>
-            <a:pPr lvl="1"/>
-            <a:r>
-              <a:rPr lang="en-US" dirty="0"/>
-              <a:t>We know what goes in and what comes out, but have no idea what happens inside. </a:t>
-            </a:r>
-          </a:p>
-          <a:p>
-            <a:r>
-              <a:rPr lang="en-US" dirty="0"/>
-              <a:t>With well defined functions (and many ML models), this is also true. </a:t>
-            </a:r>
-          </a:p>
-          <a:p>
-            <a:pPr lvl="1"/>
-            <a:r>
-              <a:rPr lang="en-US" dirty="0"/>
-              <a:t>The arguments are what we get as an input. </a:t>
-            </a:r>
-          </a:p>
-          <a:p>
-            <a:pPr lvl="1"/>
-            <a:r>
-              <a:rPr lang="en-US" dirty="0"/>
-              <a:t>The return value is what we produce as an output. </a:t>
-            </a:r>
-          </a:p>
-          <a:p>
-            <a:pPr lvl="1"/>
-            <a:r>
-              <a:rPr lang="en-US" dirty="0"/>
-              <a:t>As long as we connect A to B, who cares how? </a:t>
-            </a:r>
-          </a:p>
-          <a:p>
-            <a:r>
-              <a:rPr lang="en-US" dirty="0"/>
-              <a:t>In our own code, if we can isolate anything into its own function, this idea can help. </a:t>
-            </a:r>
-          </a:p>
-          <a:p>
-            <a:r>
-              <a:rPr lang="en-US" dirty="0"/>
-              <a:t>Also a common way to assign work to others, it is clear what has to be done. </a:t>
+          <a:bodyPr>
+            <a:normAutofit/>
+          </a:bodyPr>
+          <a:lstStyle/>
+          <a:p>
+            <a:r>
+              <a:rPr lang="en-US" dirty="0"/>
+              <a:t>Define the arguments and the return value (if not specified). </a:t>
+            </a:r>
+          </a:p>
+          <a:p>
+            <a:pPr lvl="1"/>
+            <a:r>
+              <a:rPr lang="en-US" dirty="0"/>
+              <a:t>This is a reason we want to split things into functions, they can be tested and reused. </a:t>
+            </a:r>
+          </a:p>
+          <a:p>
+            <a:r>
+              <a:rPr lang="en-US" dirty="0"/>
+              <a:t>Start with an empty shell of the function:</a:t>
+            </a:r>
+          </a:p>
+          <a:p>
+            <a:pPr lvl="1"/>
+            <a:r>
+              <a:rPr lang="en-US" dirty="0"/>
+              <a:t>Take in arguments and look at them (print, info, length, </a:t>
+            </a:r>
+            <a:r>
+              <a:rPr lang="en-US" dirty="0" err="1"/>
+              <a:t>etc</a:t>
+            </a:r>
+            <a:r>
+              <a:rPr lang="en-US" dirty="0"/>
+              <a:t>…)</a:t>
+            </a:r>
+          </a:p>
+          <a:p>
+            <a:pPr lvl="1"/>
+            <a:r>
+              <a:rPr lang="en-US" dirty="0"/>
+              <a:t>Return some empty or default version of whatever you need to provide. (Other code still works)</a:t>
+            </a:r>
+          </a:p>
+          <a:p>
+            <a:pPr lvl="1"/>
+            <a:r>
+              <a:rPr lang="en-US" dirty="0"/>
+              <a:t>Now the goal is fixed – go from the start to the end. It generally doesn’t matter how. </a:t>
+            </a:r>
+          </a:p>
+          <a:p>
+            <a:r>
+              <a:rPr lang="en-US" dirty="0"/>
+              <a:t>Begin to work incrementally on the problem:</a:t>
+            </a:r>
+          </a:p>
+          <a:p>
+            <a:pPr lvl="1"/>
+            <a:r>
+              <a:rPr lang="en-US" dirty="0"/>
+              <a:t>If there are control logic like ifs or loops, can we make an empty one. Print where you are in each. </a:t>
+            </a:r>
+          </a:p>
+          <a:p>
+            <a:pPr lvl="1"/>
+            <a:r>
+              <a:rPr lang="en-US" dirty="0"/>
+              <a:t>When doing the “processing” part update print or return </a:t>
+            </a:r>
+            <a:r>
+              <a:rPr lang="en-US" dirty="0" err="1"/>
+              <a:t>vals</a:t>
+            </a:r>
+            <a:r>
+              <a:rPr lang="en-US" dirty="0"/>
+              <a:t> progressively to see what changes. </a:t>
+            </a:r>
+          </a:p>
+          <a:p>
+            <a:pPr lvl="1"/>
+            <a:r>
+              <a:rPr lang="en-US" dirty="0"/>
+              <a:t>As we add each additional step, if things stop working, we know it was that step. </a:t>
             </a:r>
           </a:p>
         </p:txBody>
@@ -6448,7 +6639,7 @@
     </p:spTree>
     <p:extLst>
       <p:ext uri="{BB962C8B-B14F-4D97-AF65-F5344CB8AC3E}">
-        <p14:creationId xmlns:p14="http://schemas.microsoft.com/office/powerpoint/2010/main" val="1387795229"/>
+        <p14:creationId xmlns:p14="http://schemas.microsoft.com/office/powerpoint/2010/main" val="2265251456"/>
       </p:ext>
     </p:extLst>
   </p:cSld>
